--- a/2019/3月/07-03-2019.pptx
+++ b/2019/3月/07-03-2019.pptx
@@ -25,15 +25,13 @@
     <p:sldId id="279" r:id="rId19"/>
     <p:sldId id="280" r:id="rId20"/>
     <p:sldId id="281" r:id="rId21"/>
-    <p:sldId id="282" r:id="rId22"/>
-    <p:sldId id="283" r:id="rId23"/>
-    <p:sldId id="272" r:id="rId24"/>
-    <p:sldId id="273" r:id="rId25"/>
-    <p:sldId id="274" r:id="rId26"/>
-    <p:sldId id="275" r:id="rId27"/>
-    <p:sldId id="284" r:id="rId28"/>
-    <p:sldId id="285" r:id="rId29"/>
-    <p:sldId id="276" r:id="rId30"/>
+    <p:sldId id="286" r:id="rId22"/>
+    <p:sldId id="282" r:id="rId23"/>
+    <p:sldId id="283" r:id="rId24"/>
+    <p:sldId id="275" r:id="rId25"/>
+    <p:sldId id="284" r:id="rId26"/>
+    <p:sldId id="285" r:id="rId27"/>
+    <p:sldId id="276" r:id="rId28"/>
   </p:sldIdLst>
   <p:sldSz cx="9144000" cy="6858000" type="screen4x3"/>
   <p:notesSz cx="6858000" cy="9144000"/>
@@ -316,7 +314,8 @@
           <a:p>
             <a:fld id="{8F1FBBEB-447C-4A24-9415-DEE37824796B}" type="datetimeFigureOut">
               <a:rPr lang="zh-TW" altLang="en-US" smtClean="0"/>
-              <a:t>2019/2/26</a:t>
+              <a:pPr/>
+              <a:t>2019/3/12</a:t>
             </a:fld>
             <a:endParaRPr lang="zh-TW" altLang="en-US"/>
           </a:p>
@@ -358,6 +357,7 @@
           <a:p>
             <a:fld id="{8B470399-5559-480B-804D-1202F5BDB698}" type="slidenum">
               <a:rPr lang="zh-TW" altLang="en-US" smtClean="0"/>
+              <a:pPr/>
               <a:t>‹#›</a:t>
             </a:fld>
             <a:endParaRPr lang="zh-TW" altLang="en-US"/>
@@ -481,7 +481,8 @@
           <a:p>
             <a:fld id="{8F1FBBEB-447C-4A24-9415-DEE37824796B}" type="datetimeFigureOut">
               <a:rPr lang="zh-TW" altLang="en-US" smtClean="0"/>
-              <a:t>2019/2/26</a:t>
+              <a:pPr/>
+              <a:t>2019/3/12</a:t>
             </a:fld>
             <a:endParaRPr lang="zh-TW" altLang="en-US"/>
           </a:p>
@@ -523,6 +524,7 @@
           <a:p>
             <a:fld id="{8B470399-5559-480B-804D-1202F5BDB698}" type="slidenum">
               <a:rPr lang="zh-TW" altLang="en-US" smtClean="0"/>
+              <a:pPr/>
               <a:t>‹#›</a:t>
             </a:fld>
             <a:endParaRPr lang="zh-TW" altLang="en-US"/>
@@ -656,7 +658,8 @@
           <a:p>
             <a:fld id="{8F1FBBEB-447C-4A24-9415-DEE37824796B}" type="datetimeFigureOut">
               <a:rPr lang="zh-TW" altLang="en-US" smtClean="0"/>
-              <a:t>2019/2/26</a:t>
+              <a:pPr/>
+              <a:t>2019/3/12</a:t>
             </a:fld>
             <a:endParaRPr lang="zh-TW" altLang="en-US"/>
           </a:p>
@@ -698,6 +701,7 @@
           <a:p>
             <a:fld id="{8B470399-5559-480B-804D-1202F5BDB698}" type="slidenum">
               <a:rPr lang="zh-TW" altLang="en-US" smtClean="0"/>
+              <a:pPr/>
               <a:t>‹#›</a:t>
             </a:fld>
             <a:endParaRPr lang="zh-TW" altLang="en-US"/>
@@ -821,7 +825,8 @@
           <a:p>
             <a:fld id="{8F1FBBEB-447C-4A24-9415-DEE37824796B}" type="datetimeFigureOut">
               <a:rPr lang="zh-TW" altLang="en-US" smtClean="0"/>
-              <a:t>2019/2/26</a:t>
+              <a:pPr/>
+              <a:t>2019/3/12</a:t>
             </a:fld>
             <a:endParaRPr lang="zh-TW" altLang="en-US"/>
           </a:p>
@@ -863,6 +868,7 @@
           <a:p>
             <a:fld id="{8B470399-5559-480B-804D-1202F5BDB698}" type="slidenum">
               <a:rPr lang="zh-TW" altLang="en-US" smtClean="0"/>
+              <a:pPr/>
               <a:t>‹#›</a:t>
             </a:fld>
             <a:endParaRPr lang="zh-TW" altLang="en-US"/>
@@ -1062,7 +1068,8 @@
           <a:p>
             <a:fld id="{8F1FBBEB-447C-4A24-9415-DEE37824796B}" type="datetimeFigureOut">
               <a:rPr lang="zh-TW" altLang="en-US" smtClean="0"/>
-              <a:t>2019/2/26</a:t>
+              <a:pPr/>
+              <a:t>2019/3/12</a:t>
             </a:fld>
             <a:endParaRPr lang="zh-TW" altLang="en-US"/>
           </a:p>
@@ -1104,6 +1111,7 @@
           <a:p>
             <a:fld id="{8B470399-5559-480B-804D-1202F5BDB698}" type="slidenum">
               <a:rPr lang="zh-TW" altLang="en-US" smtClean="0"/>
+              <a:pPr/>
               <a:t>‹#›</a:t>
             </a:fld>
             <a:endParaRPr lang="zh-TW" altLang="en-US"/>
@@ -1345,7 +1353,8 @@
           <a:p>
             <a:fld id="{8F1FBBEB-447C-4A24-9415-DEE37824796B}" type="datetimeFigureOut">
               <a:rPr lang="zh-TW" altLang="en-US" smtClean="0"/>
-              <a:t>2019/2/26</a:t>
+              <a:pPr/>
+              <a:t>2019/3/12</a:t>
             </a:fld>
             <a:endParaRPr lang="zh-TW" altLang="en-US"/>
           </a:p>
@@ -1387,6 +1396,7 @@
           <a:p>
             <a:fld id="{8B470399-5559-480B-804D-1202F5BDB698}" type="slidenum">
               <a:rPr lang="zh-TW" altLang="en-US" smtClean="0"/>
+              <a:pPr/>
               <a:t>‹#›</a:t>
             </a:fld>
             <a:endParaRPr lang="zh-TW" altLang="en-US"/>
@@ -1762,7 +1772,8 @@
           <a:p>
             <a:fld id="{8F1FBBEB-447C-4A24-9415-DEE37824796B}" type="datetimeFigureOut">
               <a:rPr lang="zh-TW" altLang="en-US" smtClean="0"/>
-              <a:t>2019/2/26</a:t>
+              <a:pPr/>
+              <a:t>2019/3/12</a:t>
             </a:fld>
             <a:endParaRPr lang="zh-TW" altLang="en-US"/>
           </a:p>
@@ -1804,6 +1815,7 @@
           <a:p>
             <a:fld id="{8B470399-5559-480B-804D-1202F5BDB698}" type="slidenum">
               <a:rPr lang="zh-TW" altLang="en-US" smtClean="0"/>
+              <a:pPr/>
               <a:t>‹#›</a:t>
             </a:fld>
             <a:endParaRPr lang="zh-TW" altLang="en-US"/>
@@ -1875,7 +1887,8 @@
           <a:p>
             <a:fld id="{8F1FBBEB-447C-4A24-9415-DEE37824796B}" type="datetimeFigureOut">
               <a:rPr lang="zh-TW" altLang="en-US" smtClean="0"/>
-              <a:t>2019/2/26</a:t>
+              <a:pPr/>
+              <a:t>2019/3/12</a:t>
             </a:fld>
             <a:endParaRPr lang="zh-TW" altLang="en-US"/>
           </a:p>
@@ -1917,6 +1930,7 @@
           <a:p>
             <a:fld id="{8B470399-5559-480B-804D-1202F5BDB698}" type="slidenum">
               <a:rPr lang="zh-TW" altLang="en-US" smtClean="0"/>
+              <a:pPr/>
               <a:t>‹#›</a:t>
             </a:fld>
             <a:endParaRPr lang="zh-TW" altLang="en-US"/>
@@ -1965,7 +1979,8 @@
           <a:p>
             <a:fld id="{8F1FBBEB-447C-4A24-9415-DEE37824796B}" type="datetimeFigureOut">
               <a:rPr lang="zh-TW" altLang="en-US" smtClean="0"/>
-              <a:t>2019/2/26</a:t>
+              <a:pPr/>
+              <a:t>2019/3/12</a:t>
             </a:fld>
             <a:endParaRPr lang="zh-TW" altLang="en-US"/>
           </a:p>
@@ -2007,6 +2022,7 @@
           <a:p>
             <a:fld id="{8B470399-5559-480B-804D-1202F5BDB698}" type="slidenum">
               <a:rPr lang="zh-TW" altLang="en-US" smtClean="0"/>
+              <a:pPr/>
               <a:t>‹#›</a:t>
             </a:fld>
             <a:endParaRPr lang="zh-TW" altLang="en-US"/>
@@ -2237,7 +2253,8 @@
           <a:p>
             <a:fld id="{8F1FBBEB-447C-4A24-9415-DEE37824796B}" type="datetimeFigureOut">
               <a:rPr lang="zh-TW" altLang="en-US" smtClean="0"/>
-              <a:t>2019/2/26</a:t>
+              <a:pPr/>
+              <a:t>2019/3/12</a:t>
             </a:fld>
             <a:endParaRPr lang="zh-TW" altLang="en-US"/>
           </a:p>
@@ -2279,6 +2296,7 @@
           <a:p>
             <a:fld id="{8B470399-5559-480B-804D-1202F5BDB698}" type="slidenum">
               <a:rPr lang="zh-TW" altLang="en-US" smtClean="0"/>
+              <a:pPr/>
               <a:t>‹#›</a:t>
             </a:fld>
             <a:endParaRPr lang="zh-TW" altLang="en-US"/>
@@ -2489,7 +2507,8 @@
           <a:p>
             <a:fld id="{8F1FBBEB-447C-4A24-9415-DEE37824796B}" type="datetimeFigureOut">
               <a:rPr lang="zh-TW" altLang="en-US" smtClean="0"/>
-              <a:t>2019/2/26</a:t>
+              <a:pPr/>
+              <a:t>2019/3/12</a:t>
             </a:fld>
             <a:endParaRPr lang="zh-TW" altLang="en-US"/>
           </a:p>
@@ -2531,6 +2550,7 @@
           <a:p>
             <a:fld id="{8B470399-5559-480B-804D-1202F5BDB698}" type="slidenum">
               <a:rPr lang="zh-TW" altLang="en-US" smtClean="0"/>
+              <a:pPr/>
               <a:t>‹#›</a:t>
             </a:fld>
             <a:endParaRPr lang="zh-TW" altLang="en-US"/>
@@ -2702,7 +2722,8 @@
           <a:p>
             <a:fld id="{8F1FBBEB-447C-4A24-9415-DEE37824796B}" type="datetimeFigureOut">
               <a:rPr lang="zh-TW" altLang="en-US" smtClean="0"/>
-              <a:t>2019/2/26</a:t>
+              <a:pPr/>
+              <a:t>2019/3/12</a:t>
             </a:fld>
             <a:endParaRPr lang="zh-TW" altLang="en-US"/>
           </a:p>
@@ -2780,6 +2801,7 @@
           <a:p>
             <a:fld id="{8B470399-5559-480B-804D-1202F5BDB698}" type="slidenum">
               <a:rPr lang="zh-TW" altLang="en-US" smtClean="0"/>
+              <a:pPr/>
               <a:t>‹#›</a:t>
             </a:fld>
             <a:endParaRPr lang="zh-TW" altLang="en-US"/>
@@ -3281,6 +3303,13 @@
   <p:clrMapOvr>
     <a:masterClrMapping/>
   </p:clrMapOvr>
+  <p:timing>
+    <p:tnLst>
+      <p:par>
+        <p:cTn id="1" dur="indefinite" restart="never" nodeType="tmRoot"/>
+      </p:par>
+    </p:tnLst>
+  </p:timing>
 </p:sld>
 </file>
 
@@ -3510,6 +3539,13 @@
   <p:clrMapOvr>
     <a:masterClrMapping/>
   </p:clrMapOvr>
+  <p:timing>
+    <p:tnLst>
+      <p:par>
+        <p:cTn id="1" dur="indefinite" restart="never" nodeType="tmRoot"/>
+      </p:par>
+    </p:tnLst>
+  </p:timing>
 </p:sld>
 </file>
 
@@ -3808,6 +3844,13 @@
   <p:clrMapOvr>
     <a:masterClrMapping/>
   </p:clrMapOvr>
+  <p:timing>
+    <p:tnLst>
+      <p:par>
+        <p:cTn id="1" dur="indefinite" restart="never" nodeType="tmRoot"/>
+      </p:par>
+    </p:tnLst>
+  </p:timing>
 </p:sld>
 </file>
 
@@ -4125,6 +4168,13 @@
   <p:clrMapOvr>
     <a:masterClrMapping/>
   </p:clrMapOvr>
+  <p:timing>
+    <p:tnLst>
+      <p:par>
+        <p:cTn id="1" dur="indefinite" restart="never" nodeType="tmRoot"/>
+      </p:par>
+    </p:tnLst>
+  </p:timing>
 </p:sld>
 </file>
 
@@ -4397,6 +4447,13 @@
   <p:clrMapOvr>
     <a:masterClrMapping/>
   </p:clrMapOvr>
+  <p:timing>
+    <p:tnLst>
+      <p:par>
+        <p:cTn id="1" dur="indefinite" restart="never" nodeType="tmRoot"/>
+      </p:par>
+    </p:tnLst>
+  </p:timing>
 </p:sld>
 </file>
 
@@ -4710,6 +4767,13 @@
   <p:clrMapOvr>
     <a:masterClrMapping/>
   </p:clrMapOvr>
+  <p:timing>
+    <p:tnLst>
+      <p:par>
+        <p:cTn id="1" dur="indefinite" restart="never" nodeType="tmRoot"/>
+      </p:par>
+    </p:tnLst>
+  </p:timing>
 </p:sld>
 </file>
 
@@ -5017,6 +5081,13 @@
   <p:clrMapOvr>
     <a:masterClrMapping/>
   </p:clrMapOvr>
+  <p:timing>
+    <p:tnLst>
+      <p:par>
+        <p:cTn id="1" dur="indefinite" restart="never" nodeType="tmRoot"/>
+      </p:par>
+    </p:tnLst>
+  </p:timing>
 </p:sld>
 </file>
 
@@ -5315,6 +5386,13 @@
   <p:clrMapOvr>
     <a:masterClrMapping/>
   </p:clrMapOvr>
+  <p:timing>
+    <p:tnLst>
+      <p:par>
+        <p:cTn id="1" dur="indefinite" restart="never" nodeType="tmRoot"/>
+      </p:par>
+    </p:tnLst>
+  </p:timing>
 </p:sld>
 </file>
 
@@ -5632,6 +5710,13 @@
   <p:clrMapOvr>
     <a:masterClrMapping/>
   </p:clrMapOvr>
+  <p:timing>
+    <p:tnLst>
+      <p:par>
+        <p:cTn id="1" dur="indefinite" restart="never" nodeType="tmRoot"/>
+      </p:par>
+    </p:tnLst>
+  </p:timing>
 </p:sld>
 </file>
 
@@ -5904,6 +5989,13 @@
   <p:clrMapOvr>
     <a:masterClrMapping/>
   </p:clrMapOvr>
+  <p:timing>
+    <p:tnLst>
+      <p:par>
+        <p:cTn id="1" dur="indefinite" restart="never" nodeType="tmRoot"/>
+      </p:par>
+    </p:tnLst>
+  </p:timing>
 </p:sld>
 </file>
 
@@ -6217,6 +6309,13 @@
   <p:clrMapOvr>
     <a:masterClrMapping/>
   </p:clrMapOvr>
+  <p:timing>
+    <p:tnLst>
+      <p:par>
+        <p:cTn id="1" dur="indefinite" restart="never" nodeType="tmRoot"/>
+      </p:par>
+    </p:tnLst>
+  </p:timing>
 </p:sld>
 </file>
 
@@ -6409,17 +6508,7 @@
                 <a:latin typeface="微軟正黑體" pitchFamily="34" charset="-120"/>
                 <a:ea typeface="微軟正黑體" pitchFamily="34" charset="-120"/>
               </a:rPr>
-              <a:t>獻</a:t>
-            </a:r>
-            <a:r>
-              <a:rPr lang="zh-TW" altLang="en-US" sz="5400" b="1" dirty="0" smtClean="0">
-                <a:solidFill>
-                  <a:srgbClr val="002060"/>
-                </a:solidFill>
-                <a:latin typeface="微軟正黑體" pitchFamily="34" charset="-120"/>
-                <a:ea typeface="微軟正黑體" pitchFamily="34" charset="-120"/>
-              </a:rPr>
-              <a:t>上</a:t>
+              <a:t>獻上</a:t>
             </a:r>
             <a:r>
               <a:rPr lang="zh-TW" altLang="en-US" sz="5400" b="1" dirty="0">
@@ -6476,6 +6565,13 @@
   <p:clrMapOvr>
     <a:masterClrMapping/>
   </p:clrMapOvr>
+  <p:timing>
+    <p:tnLst>
+      <p:par>
+        <p:cTn id="1" dur="indefinite" restart="never" nodeType="tmRoot"/>
+      </p:par>
+    </p:tnLst>
+  </p:timing>
 </p:sld>
 </file>
 
@@ -6783,6 +6879,13 @@
   <p:clrMapOvr>
     <a:masterClrMapping/>
   </p:clrMapOvr>
+  <p:timing>
+    <p:tnLst>
+      <p:par>
+        <p:cTn id="1" dur="indefinite" restart="never" nodeType="tmRoot"/>
+      </p:par>
+    </p:tnLst>
+  </p:timing>
 </p:sld>
 </file>
 
@@ -6901,34 +7004,14 @@
         <p:spPr/>
         <p:txBody>
           <a:bodyPr>
-            <a:noAutofit/>
+            <a:normAutofit fontScale="92500" lnSpcReduction="20000"/>
           </a:bodyPr>
           <a:lstStyle/>
           <a:p>
             <a:pPr algn="ctr">
               <a:buNone/>
             </a:pPr>
-            <a:r>
-              <a:rPr lang="zh-TW" altLang="en-US" sz="5400" b="1" dirty="0" smtClean="0">
-                <a:solidFill>
-                  <a:srgbClr val="660033"/>
-                </a:solidFill>
-                <a:latin typeface="微軟正黑體" pitchFamily="34" charset="-120"/>
-                <a:ea typeface="微軟正黑體" pitchFamily="34" charset="-120"/>
-              </a:rPr>
-              <a:t>願</a:t>
-            </a:r>
-            <a:r>
-              <a:rPr lang="zh-TW" altLang="en-US" sz="5400" b="1" dirty="0">
-                <a:solidFill>
-                  <a:srgbClr val="660033"/>
-                </a:solidFill>
-                <a:latin typeface="微軟正黑體" pitchFamily="34" charset="-120"/>
-                <a:ea typeface="微軟正黑體" pitchFamily="34" charset="-120"/>
-              </a:rPr>
-              <a:t>人都尊祢名為聖</a:t>
-            </a:r>
-            <a:endParaRPr lang="en-US" sz="5400" b="1" dirty="0">
+            <a:endParaRPr lang="en-US" altLang="zh-TW" sz="4400" dirty="0" smtClean="0">
               <a:solidFill>
                 <a:srgbClr val="660033"/>
               </a:solidFill>
@@ -6941,16 +7024,26 @@
               <a:buNone/>
             </a:pPr>
             <a:r>
-              <a:rPr lang="zh-TW" altLang="en-US" sz="5400" b="1" dirty="0">
-                <a:solidFill>
-                  <a:srgbClr val="660033"/>
-                </a:solidFill>
-                <a:latin typeface="微軟正黑體" pitchFamily="34" charset="-120"/>
-                <a:ea typeface="微軟正黑體" pitchFamily="34" charset="-120"/>
-              </a:rPr>
-              <a:t>願祢的國降臨</a:t>
-            </a:r>
-            <a:endParaRPr lang="en-US" sz="5400" b="1" dirty="0">
+              <a:rPr lang="zh-TW" altLang="en-US" sz="5800" b="1" dirty="0" smtClean="0">
+                <a:solidFill>
+                  <a:srgbClr val="660033"/>
+                </a:solidFill>
+                <a:latin typeface="微軟正黑體" pitchFamily="34" charset="-120"/>
+                <a:ea typeface="微軟正黑體" pitchFamily="34" charset="-120"/>
+              </a:rPr>
+              <a:t>今</a:t>
+            </a:r>
+            <a:r>
+              <a:rPr lang="zh-TW" altLang="en-US" sz="5800" b="1" dirty="0">
+                <a:solidFill>
+                  <a:srgbClr val="660033"/>
+                </a:solidFill>
+                <a:latin typeface="微軟正黑體" pitchFamily="34" charset="-120"/>
+                <a:ea typeface="微軟正黑體" pitchFamily="34" charset="-120"/>
+              </a:rPr>
+              <a:t>日 我求問主的國 </a:t>
+            </a:r>
+            <a:endParaRPr lang="en-US" altLang="zh-TW" sz="5800" b="1" dirty="0" smtClean="0">
               <a:solidFill>
                 <a:srgbClr val="660033"/>
               </a:solidFill>
@@ -6963,16 +7056,26 @@
               <a:buNone/>
             </a:pPr>
             <a:r>
-              <a:rPr lang="zh-TW" altLang="en-US" sz="5400" b="1" dirty="0">
-                <a:solidFill>
-                  <a:srgbClr val="660033"/>
-                </a:solidFill>
-                <a:latin typeface="微軟正黑體" pitchFamily="34" charset="-120"/>
-                <a:ea typeface="微軟正黑體" pitchFamily="34" charset="-120"/>
-              </a:rPr>
-              <a:t>也願祢旨意行在地上</a:t>
-            </a:r>
-            <a:endParaRPr lang="en-US" sz="5400" b="1" dirty="0">
+              <a:rPr lang="zh-TW" altLang="en-US" sz="5800" b="1" dirty="0" smtClean="0">
+                <a:solidFill>
+                  <a:srgbClr val="660033"/>
+                </a:solidFill>
+                <a:latin typeface="微軟正黑體" pitchFamily="34" charset="-120"/>
+                <a:ea typeface="微軟正黑體" pitchFamily="34" charset="-120"/>
+              </a:rPr>
+              <a:t>求</a:t>
+            </a:r>
+            <a:r>
+              <a:rPr lang="zh-TW" altLang="en-US" sz="5800" b="1" dirty="0">
+                <a:solidFill>
+                  <a:srgbClr val="660033"/>
+                </a:solidFill>
+                <a:latin typeface="微軟正黑體" pitchFamily="34" charset="-120"/>
+                <a:ea typeface="微軟正黑體" pitchFamily="34" charset="-120"/>
+              </a:rPr>
+              <a:t>問主的義</a:t>
+            </a:r>
+            <a:endParaRPr lang="en-US" sz="5800" b="1" dirty="0">
               <a:solidFill>
                 <a:srgbClr val="660033"/>
               </a:solidFill>
@@ -6985,26 +7088,26 @@
               <a:buNone/>
             </a:pPr>
             <a:r>
-              <a:rPr lang="zh-TW" altLang="en-US" sz="5400" b="1" dirty="0">
-                <a:solidFill>
-                  <a:srgbClr val="660033"/>
-                </a:solidFill>
-                <a:latin typeface="微軟正黑體" pitchFamily="34" charset="-120"/>
-                <a:ea typeface="微軟正黑體" pitchFamily="34" charset="-120"/>
-              </a:rPr>
-              <a:t>如同行在天</a:t>
-            </a:r>
-            <a:r>
-              <a:rPr lang="zh-TW" altLang="en-US" sz="5400" b="1" dirty="0" smtClean="0">
-                <a:solidFill>
-                  <a:srgbClr val="660033"/>
-                </a:solidFill>
-                <a:latin typeface="微軟正黑體" pitchFamily="34" charset="-120"/>
-                <a:ea typeface="微軟正黑體" pitchFamily="34" charset="-120"/>
-              </a:rPr>
-              <a:t>上</a:t>
-            </a:r>
-            <a:endParaRPr lang="en-US" altLang="zh-TW" sz="5400" b="1" dirty="0" smtClean="0">
+              <a:rPr lang="zh-TW" altLang="en-US" sz="5800" b="1" dirty="0">
+                <a:solidFill>
+                  <a:srgbClr val="660033"/>
+                </a:solidFill>
+                <a:latin typeface="微軟正黑體" pitchFamily="34" charset="-120"/>
+                <a:ea typeface="微軟正黑體" pitchFamily="34" charset="-120"/>
+              </a:rPr>
+              <a:t>王的旨意 如陽光遍地彰</a:t>
+            </a:r>
+            <a:r>
+              <a:rPr lang="zh-TW" altLang="en-US" sz="5800" b="1" dirty="0" smtClean="0">
+                <a:solidFill>
+                  <a:srgbClr val="660033"/>
+                </a:solidFill>
+                <a:latin typeface="微軟正黑體" pitchFamily="34" charset="-120"/>
+                <a:ea typeface="微軟正黑體" pitchFamily="34" charset="-120"/>
+              </a:rPr>
+              <a:t>顯</a:t>
+            </a:r>
+            <a:endParaRPr lang="en-US" altLang="zh-TW" sz="5800" b="1" dirty="0" smtClean="0">
               <a:solidFill>
                 <a:srgbClr val="660033"/>
               </a:solidFill>
@@ -7016,7 +7119,7 @@
             <a:pPr algn="ctr">
               <a:buNone/>
             </a:pPr>
-            <a:endParaRPr lang="en-US" altLang="zh-TW" sz="2800" b="1" dirty="0" smtClean="0">
+            <a:endParaRPr lang="en-US" sz="4400" b="1" dirty="0" smtClean="0">
               <a:solidFill>
                 <a:srgbClr val="660033"/>
               </a:solidFill>
@@ -7029,22 +7132,17 @@
               <a:buNone/>
             </a:pPr>
             <a:r>
-              <a:rPr lang="en-US" altLang="zh-TW" sz="2000" b="1" dirty="0" smtClean="0">
-                <a:solidFill>
-                  <a:srgbClr val="660033"/>
-                </a:solidFill>
-                <a:latin typeface="微軟正黑體" pitchFamily="34" charset="-120"/>
-                <a:ea typeface="微軟正黑體" pitchFamily="34" charset="-120"/>
-              </a:rPr>
-              <a:t>[Chorus]</a:t>
-            </a:r>
-          </a:p>
-          <a:p>
-            <a:pPr algn="ctr">
-              <a:buNone/>
-            </a:pPr>
-            <a:r>
-              <a:rPr lang="en-US" sz="5400" b="1" dirty="0">
+              <a:rPr lang="en-US" sz="2000" b="1" dirty="0" smtClean="0">
+                <a:solidFill>
+                  <a:srgbClr val="660033"/>
+                </a:solidFill>
+                <a:latin typeface="微軟正黑體" pitchFamily="34" charset="-120"/>
+                <a:ea typeface="微軟正黑體" pitchFamily="34" charset="-120"/>
+              </a:rPr>
+              <a:t>[Verse 2]</a:t>
+            </a:r>
+            <a:r>
+              <a:rPr lang="en-US" sz="4400" b="1" dirty="0">
                 <a:solidFill>
                   <a:srgbClr val="660033"/>
                 </a:solidFill>
@@ -7054,7 +7152,7 @@
               <a:t/>
             </a:r>
             <a:br>
-              <a:rPr lang="en-US" sz="5400" b="1" dirty="0">
+              <a:rPr lang="en-US" sz="4400" b="1" dirty="0">
                 <a:solidFill>
                   <a:srgbClr val="660033"/>
                 </a:solidFill>
@@ -7062,26 +7160,7 @@
                 <a:ea typeface="微軟正黑體" pitchFamily="34" charset="-120"/>
               </a:rPr>
             </a:br>
-            <a:r>
-              <a:rPr lang="en-US" sz="1600" b="1" dirty="0">
-                <a:solidFill>
-                  <a:srgbClr val="660033"/>
-                </a:solidFill>
-                <a:latin typeface="微軟正黑體" pitchFamily="34" charset="-120"/>
-                <a:ea typeface="微軟正黑體" pitchFamily="34" charset="-120"/>
-              </a:rPr>
-              <a:t/>
-            </a:r>
-            <a:br>
-              <a:rPr lang="en-US" sz="1600" b="1" dirty="0">
-                <a:solidFill>
-                  <a:srgbClr val="660033"/>
-                </a:solidFill>
-                <a:latin typeface="微軟正黑體" pitchFamily="34" charset="-120"/>
-                <a:ea typeface="微軟正黑體" pitchFamily="34" charset="-120"/>
-              </a:rPr>
-            </a:br>
-            <a:endParaRPr lang="en-US" sz="1600" b="1" dirty="0">
+            <a:endParaRPr lang="en-US" sz="4400" b="1" dirty="0">
               <a:solidFill>
                 <a:srgbClr val="660033"/>
               </a:solidFill>
@@ -7096,6 +7175,13 @@
   <p:clrMapOvr>
     <a:masterClrMapping/>
   </p:clrMapOvr>
+  <p:timing>
+    <p:tnLst>
+      <p:par>
+        <p:cTn id="1" dur="indefinite" restart="never" nodeType="tmRoot"/>
+      </p:par>
+    </p:tnLst>
+  </p:timing>
 </p:sld>
 </file>
 
@@ -7229,9 +7315,19 @@
                 <a:latin typeface="微軟正黑體" pitchFamily="34" charset="-120"/>
                 <a:ea typeface="微軟正黑體" pitchFamily="34" charset="-120"/>
               </a:rPr>
-              <a:t>我們當天所需要的食物</a:t>
-            </a:r>
-            <a:endParaRPr lang="en-US" sz="5400" b="1" dirty="0" smtClean="0">
+              <a:t>願</a:t>
+            </a:r>
+            <a:r>
+              <a:rPr lang="zh-TW" altLang="en-US" sz="5400" b="1" dirty="0">
+                <a:solidFill>
+                  <a:srgbClr val="660033"/>
+                </a:solidFill>
+                <a:latin typeface="微軟正黑體" pitchFamily="34" charset="-120"/>
+                <a:ea typeface="微軟正黑體" pitchFamily="34" charset="-120"/>
+              </a:rPr>
+              <a:t>人都尊祢名為聖</a:t>
+            </a:r>
+            <a:endParaRPr lang="en-US" sz="5400" b="1" dirty="0">
               <a:solidFill>
                 <a:srgbClr val="660033"/>
               </a:solidFill>
@@ -7244,16 +7340,16 @@
               <a:buNone/>
             </a:pPr>
             <a:r>
-              <a:rPr lang="zh-TW" altLang="en-US" sz="5400" b="1" dirty="0" smtClean="0">
-                <a:solidFill>
-                  <a:srgbClr val="660033"/>
-                </a:solidFill>
-                <a:latin typeface="微軟正黑體" pitchFamily="34" charset="-120"/>
-                <a:ea typeface="微軟正黑體" pitchFamily="34" charset="-120"/>
-              </a:rPr>
-              <a:t>求祢賜給我們</a:t>
-            </a:r>
-            <a:endParaRPr lang="en-US" sz="5400" b="1" dirty="0" smtClean="0">
+              <a:rPr lang="zh-TW" altLang="en-US" sz="5400" b="1" dirty="0">
+                <a:solidFill>
+                  <a:srgbClr val="660033"/>
+                </a:solidFill>
+                <a:latin typeface="微軟正黑體" pitchFamily="34" charset="-120"/>
+                <a:ea typeface="微軟正黑體" pitchFamily="34" charset="-120"/>
+              </a:rPr>
+              <a:t>願祢的國降臨</a:t>
+            </a:r>
+            <a:endParaRPr lang="en-US" sz="5400" b="1" dirty="0">
               <a:solidFill>
                 <a:srgbClr val="660033"/>
               </a:solidFill>
@@ -7266,16 +7362,16 @@
               <a:buNone/>
             </a:pPr>
             <a:r>
-              <a:rPr lang="zh-TW" altLang="en-US" sz="5400" b="1" dirty="0" smtClean="0">
-                <a:solidFill>
-                  <a:srgbClr val="660033"/>
-                </a:solidFill>
-                <a:latin typeface="微軟正黑體" pitchFamily="34" charset="-120"/>
-                <a:ea typeface="微軟正黑體" pitchFamily="34" charset="-120"/>
-              </a:rPr>
-              <a:t>免我們的債</a:t>
-            </a:r>
-            <a:endParaRPr lang="en-US" sz="5400" b="1" dirty="0" smtClean="0">
+              <a:rPr lang="zh-TW" altLang="en-US" sz="5400" b="1" dirty="0">
+                <a:solidFill>
+                  <a:srgbClr val="660033"/>
+                </a:solidFill>
+                <a:latin typeface="微軟正黑體" pitchFamily="34" charset="-120"/>
+                <a:ea typeface="微軟正黑體" pitchFamily="34" charset="-120"/>
+              </a:rPr>
+              <a:t>也願祢旨意行在地上</a:t>
+            </a:r>
+            <a:endParaRPr lang="en-US" sz="5400" b="1" dirty="0">
               <a:solidFill>
                 <a:srgbClr val="660033"/>
               </a:solidFill>
@@ -7288,14 +7384,24 @@
               <a:buNone/>
             </a:pPr>
             <a:r>
-              <a:rPr lang="zh-TW" altLang="en-US" sz="5400" b="1" dirty="0" smtClean="0">
-                <a:solidFill>
-                  <a:srgbClr val="660033"/>
-                </a:solidFill>
-                <a:latin typeface="微軟正黑體" pitchFamily="34" charset="-120"/>
-                <a:ea typeface="微軟正黑體" pitchFamily="34" charset="-120"/>
-              </a:rPr>
-              <a:t>如同我們免去人的債</a:t>
+              <a:rPr lang="zh-TW" altLang="en-US" sz="5400" b="1" dirty="0">
+                <a:solidFill>
+                  <a:srgbClr val="660033"/>
+                </a:solidFill>
+                <a:latin typeface="微軟正黑體" pitchFamily="34" charset="-120"/>
+                <a:ea typeface="微軟正黑體" pitchFamily="34" charset="-120"/>
+              </a:rPr>
+              <a:t>如同行在天</a:t>
+            </a:r>
+            <a:r>
+              <a:rPr lang="zh-TW" altLang="en-US" sz="5400" b="1" dirty="0" smtClean="0">
+                <a:solidFill>
+                  <a:srgbClr val="660033"/>
+                </a:solidFill>
+                <a:latin typeface="微軟正黑體" pitchFamily="34" charset="-120"/>
+                <a:ea typeface="微軟正黑體" pitchFamily="34" charset="-120"/>
+              </a:rPr>
+              <a:t>上</a:t>
             </a:r>
             <a:endParaRPr lang="en-US" altLang="zh-TW" sz="5400" b="1" dirty="0" smtClean="0">
               <a:solidFill>
@@ -7309,7 +7415,7 @@
             <a:pPr algn="ctr">
               <a:buNone/>
             </a:pPr>
-            <a:endParaRPr lang="en-US" sz="2800" b="1" dirty="0" smtClean="0">
+            <a:endParaRPr lang="en-US" altLang="zh-TW" sz="2800" b="1" dirty="0" smtClean="0">
               <a:solidFill>
                 <a:srgbClr val="660033"/>
               </a:solidFill>
@@ -7322,7 +7428,7 @@
               <a:buNone/>
             </a:pPr>
             <a:r>
-              <a:rPr lang="en-US" sz="2800" b="1" dirty="0" smtClean="0">
+              <a:rPr lang="en-US" altLang="zh-TW" sz="2000" b="1" dirty="0" smtClean="0">
                 <a:solidFill>
                   <a:srgbClr val="660033"/>
                 </a:solidFill>
@@ -7331,25 +7437,11 @@
               </a:rPr>
               <a:t>[Chorus]</a:t>
             </a:r>
-            <a:r>
-              <a:rPr lang="en-US" sz="5400" b="1" dirty="0" smtClean="0">
-                <a:solidFill>
-                  <a:srgbClr val="660033"/>
-                </a:solidFill>
-                <a:latin typeface="微軟正黑體" pitchFamily="34" charset="-120"/>
-                <a:ea typeface="微軟正黑體" pitchFamily="34" charset="-120"/>
-              </a:rPr>
-              <a:t/>
-            </a:r>
-            <a:br>
-              <a:rPr lang="en-US" sz="5400" b="1" dirty="0" smtClean="0">
-                <a:solidFill>
-                  <a:srgbClr val="660033"/>
-                </a:solidFill>
-                <a:latin typeface="微軟正黑體" pitchFamily="34" charset="-120"/>
-                <a:ea typeface="微軟正黑體" pitchFamily="34" charset="-120"/>
-              </a:rPr>
-            </a:br>
+          </a:p>
+          <a:p>
+            <a:pPr algn="ctr">
+              <a:buNone/>
+            </a:pPr>
             <a:r>
               <a:rPr lang="en-US" sz="5400" b="1" dirty="0">
                 <a:solidFill>
@@ -7403,6 +7495,13 @@
   <p:clrMapOvr>
     <a:masterClrMapping/>
   </p:clrMapOvr>
+  <p:timing>
+    <p:tnLst>
+      <p:par>
+        <p:cTn id="1" dur="indefinite" restart="never" nodeType="tmRoot"/>
+      </p:par>
+    </p:tnLst>
+  </p:timing>
 </p:sld>
 </file>
 
@@ -7521,14 +7620,24 @@
         <p:spPr/>
         <p:txBody>
           <a:bodyPr>
-            <a:normAutofit fontScale="92500" lnSpcReduction="20000"/>
+            <a:noAutofit/>
           </a:bodyPr>
           <a:lstStyle/>
           <a:p>
             <a:pPr algn="ctr">
               <a:buNone/>
             </a:pPr>
-            <a:endParaRPr lang="en-US" altLang="zh-TW" sz="4400" dirty="0" smtClean="0">
+            <a:r>
+              <a:rPr lang="zh-TW" altLang="en-US" sz="5400" b="1" dirty="0" smtClean="0">
+                <a:solidFill>
+                  <a:srgbClr val="660033"/>
+                </a:solidFill>
+                <a:latin typeface="微軟正黑體" pitchFamily="34" charset="-120"/>
+                <a:ea typeface="微軟正黑體" pitchFamily="34" charset="-120"/>
+              </a:rPr>
+              <a:t>我們當天所需要的食物</a:t>
+            </a:r>
+            <a:endParaRPr lang="en-US" sz="5400" b="1" dirty="0" smtClean="0">
               <a:solidFill>
                 <a:srgbClr val="660033"/>
               </a:solidFill>
@@ -7541,26 +7650,16 @@
               <a:buNone/>
             </a:pPr>
             <a:r>
-              <a:rPr lang="zh-TW" altLang="en-US" sz="5800" b="1" dirty="0" smtClean="0">
-                <a:solidFill>
-                  <a:srgbClr val="660033"/>
-                </a:solidFill>
-                <a:latin typeface="微軟正黑體" pitchFamily="34" charset="-120"/>
-                <a:ea typeface="微軟正黑體" pitchFamily="34" charset="-120"/>
-              </a:rPr>
-              <a:t>今</a:t>
-            </a:r>
-            <a:r>
-              <a:rPr lang="zh-TW" altLang="en-US" sz="5800" b="1" dirty="0">
-                <a:solidFill>
-                  <a:srgbClr val="660033"/>
-                </a:solidFill>
-                <a:latin typeface="微軟正黑體" pitchFamily="34" charset="-120"/>
-                <a:ea typeface="微軟正黑體" pitchFamily="34" charset="-120"/>
-              </a:rPr>
-              <a:t>日 我求問主的國 </a:t>
-            </a:r>
-            <a:endParaRPr lang="en-US" altLang="zh-TW" sz="5800" b="1" dirty="0" smtClean="0">
+              <a:rPr lang="zh-TW" altLang="en-US" sz="5400" b="1" dirty="0" smtClean="0">
+                <a:solidFill>
+                  <a:srgbClr val="660033"/>
+                </a:solidFill>
+                <a:latin typeface="微軟正黑體" pitchFamily="34" charset="-120"/>
+                <a:ea typeface="微軟正黑體" pitchFamily="34" charset="-120"/>
+              </a:rPr>
+              <a:t>求祢賜給我們</a:t>
+            </a:r>
+            <a:endParaRPr lang="en-US" sz="5400" b="1" dirty="0" smtClean="0">
               <a:solidFill>
                 <a:srgbClr val="660033"/>
               </a:solidFill>
@@ -7573,26 +7672,16 @@
               <a:buNone/>
             </a:pPr>
             <a:r>
-              <a:rPr lang="zh-TW" altLang="en-US" sz="5800" b="1" dirty="0" smtClean="0">
-                <a:solidFill>
-                  <a:srgbClr val="660033"/>
-                </a:solidFill>
-                <a:latin typeface="微軟正黑體" pitchFamily="34" charset="-120"/>
-                <a:ea typeface="微軟正黑體" pitchFamily="34" charset="-120"/>
-              </a:rPr>
-              <a:t>求</a:t>
-            </a:r>
-            <a:r>
-              <a:rPr lang="zh-TW" altLang="en-US" sz="5800" b="1" dirty="0">
-                <a:solidFill>
-                  <a:srgbClr val="660033"/>
-                </a:solidFill>
-                <a:latin typeface="微軟正黑體" pitchFamily="34" charset="-120"/>
-                <a:ea typeface="微軟正黑體" pitchFamily="34" charset="-120"/>
-              </a:rPr>
-              <a:t>問主的義</a:t>
-            </a:r>
-            <a:endParaRPr lang="en-US" sz="5800" b="1" dirty="0">
+              <a:rPr lang="zh-TW" altLang="en-US" sz="5400" b="1" dirty="0" smtClean="0">
+                <a:solidFill>
+                  <a:srgbClr val="660033"/>
+                </a:solidFill>
+                <a:latin typeface="微軟正黑體" pitchFamily="34" charset="-120"/>
+                <a:ea typeface="微軟正黑體" pitchFamily="34" charset="-120"/>
+              </a:rPr>
+              <a:t>免我們的債</a:t>
+            </a:r>
+            <a:endParaRPr lang="en-US" sz="5400" b="1" dirty="0" smtClean="0">
               <a:solidFill>
                 <a:srgbClr val="660033"/>
               </a:solidFill>
@@ -7605,26 +7694,16 @@
               <a:buNone/>
             </a:pPr>
             <a:r>
-              <a:rPr lang="zh-TW" altLang="en-US" sz="5800" b="1" dirty="0">
-                <a:solidFill>
-                  <a:srgbClr val="660033"/>
-                </a:solidFill>
-                <a:latin typeface="微軟正黑體" pitchFamily="34" charset="-120"/>
-                <a:ea typeface="微軟正黑體" pitchFamily="34" charset="-120"/>
-              </a:rPr>
-              <a:t>王的旨意 如陽光遍地彰</a:t>
-            </a:r>
-            <a:r>
-              <a:rPr lang="zh-TW" altLang="en-US" sz="5800" b="1" dirty="0" smtClean="0">
-                <a:solidFill>
-                  <a:srgbClr val="660033"/>
-                </a:solidFill>
-                <a:latin typeface="微軟正黑體" pitchFamily="34" charset="-120"/>
-                <a:ea typeface="微軟正黑體" pitchFamily="34" charset="-120"/>
-              </a:rPr>
-              <a:t>顯</a:t>
-            </a:r>
-            <a:endParaRPr lang="en-US" altLang="zh-TW" sz="5800" b="1" dirty="0" smtClean="0">
+              <a:rPr lang="zh-TW" altLang="en-US" sz="5400" b="1" dirty="0" smtClean="0">
+                <a:solidFill>
+                  <a:srgbClr val="660033"/>
+                </a:solidFill>
+                <a:latin typeface="微軟正黑體" pitchFamily="34" charset="-120"/>
+                <a:ea typeface="微軟正黑體" pitchFamily="34" charset="-120"/>
+              </a:rPr>
+              <a:t>如同我們免去人的債</a:t>
+            </a:r>
+            <a:endParaRPr lang="en-US" altLang="zh-TW" sz="5400" b="1" dirty="0" smtClean="0">
               <a:solidFill>
                 <a:srgbClr val="660033"/>
               </a:solidFill>
@@ -7636,7 +7715,7 @@
             <a:pPr algn="ctr">
               <a:buNone/>
             </a:pPr>
-            <a:endParaRPr lang="en-US" sz="4400" b="1" dirty="0" smtClean="0">
+            <a:endParaRPr lang="en-US" sz="2800" b="1" dirty="0" smtClean="0">
               <a:solidFill>
                 <a:srgbClr val="660033"/>
               </a:solidFill>
@@ -7649,17 +7728,17 @@
               <a:buNone/>
             </a:pPr>
             <a:r>
-              <a:rPr lang="en-US" sz="2000" b="1" dirty="0" smtClean="0">
-                <a:solidFill>
-                  <a:srgbClr val="660033"/>
-                </a:solidFill>
-                <a:latin typeface="微軟正黑體" pitchFamily="34" charset="-120"/>
-                <a:ea typeface="微軟正黑體" pitchFamily="34" charset="-120"/>
-              </a:rPr>
-              <a:t>[Verse 2]</a:t>
-            </a:r>
-            <a:r>
-              <a:rPr lang="en-US" sz="4400" b="1" dirty="0">
+              <a:rPr lang="en-US" sz="2800" b="1" dirty="0" smtClean="0">
+                <a:solidFill>
+                  <a:srgbClr val="660033"/>
+                </a:solidFill>
+                <a:latin typeface="微軟正黑體" pitchFamily="34" charset="-120"/>
+                <a:ea typeface="微軟正黑體" pitchFamily="34" charset="-120"/>
+              </a:rPr>
+              <a:t>[Chorus]</a:t>
+            </a:r>
+            <a:r>
+              <a:rPr lang="en-US" sz="5400" b="1" dirty="0" smtClean="0">
                 <a:solidFill>
                   <a:srgbClr val="660033"/>
                 </a:solidFill>
@@ -7669,7 +7748,7 @@
               <a:t/>
             </a:r>
             <a:br>
-              <a:rPr lang="en-US" sz="4400" b="1" dirty="0">
+              <a:rPr lang="en-US" sz="5400" b="1" dirty="0" smtClean="0">
                 <a:solidFill>
                   <a:srgbClr val="660033"/>
                 </a:solidFill>
@@ -7677,7 +7756,45 @@
                 <a:ea typeface="微軟正黑體" pitchFamily="34" charset="-120"/>
               </a:rPr>
             </a:br>
-            <a:endParaRPr lang="en-US" sz="4400" b="1" dirty="0">
+            <a:r>
+              <a:rPr lang="en-US" sz="5400" b="1" dirty="0">
+                <a:solidFill>
+                  <a:srgbClr val="660033"/>
+                </a:solidFill>
+                <a:latin typeface="微軟正黑體" pitchFamily="34" charset="-120"/>
+                <a:ea typeface="微軟正黑體" pitchFamily="34" charset="-120"/>
+              </a:rPr>
+              <a:t/>
+            </a:r>
+            <a:br>
+              <a:rPr lang="en-US" sz="5400" b="1" dirty="0">
+                <a:solidFill>
+                  <a:srgbClr val="660033"/>
+                </a:solidFill>
+                <a:latin typeface="微軟正黑體" pitchFamily="34" charset="-120"/>
+                <a:ea typeface="微軟正黑體" pitchFamily="34" charset="-120"/>
+              </a:rPr>
+            </a:br>
+            <a:r>
+              <a:rPr lang="en-US" sz="1600" b="1" dirty="0">
+                <a:solidFill>
+                  <a:srgbClr val="660033"/>
+                </a:solidFill>
+                <a:latin typeface="微軟正黑體" pitchFamily="34" charset="-120"/>
+                <a:ea typeface="微軟正黑體" pitchFamily="34" charset="-120"/>
+              </a:rPr>
+              <a:t/>
+            </a:r>
+            <a:br>
+              <a:rPr lang="en-US" sz="1600" b="1" dirty="0">
+                <a:solidFill>
+                  <a:srgbClr val="660033"/>
+                </a:solidFill>
+                <a:latin typeface="微軟正黑體" pitchFamily="34" charset="-120"/>
+                <a:ea typeface="微軟正黑體" pitchFamily="34" charset="-120"/>
+              </a:rPr>
+            </a:br>
+            <a:endParaRPr lang="en-US" sz="1600" b="1" dirty="0">
               <a:solidFill>
                 <a:srgbClr val="660033"/>
               </a:solidFill>
@@ -7692,6 +7809,13 @@
   <p:clrMapOvr>
     <a:masterClrMapping/>
   </p:clrMapOvr>
+  <p:timing>
+    <p:tnLst>
+      <p:par>
+        <p:cTn id="1" dur="indefinite" restart="never" nodeType="tmRoot"/>
+      </p:par>
+    </p:tnLst>
+  </p:timing>
 </p:sld>
 </file>
 
@@ -7825,19 +7949,9 @@
                 <a:latin typeface="微軟正黑體" pitchFamily="34" charset="-120"/>
                 <a:ea typeface="微軟正黑體" pitchFamily="34" charset="-120"/>
               </a:rPr>
-              <a:t>願</a:t>
-            </a:r>
-            <a:r>
-              <a:rPr lang="zh-TW" altLang="en-US" sz="5400" b="1" dirty="0">
-                <a:solidFill>
-                  <a:srgbClr val="660033"/>
-                </a:solidFill>
-                <a:latin typeface="微軟正黑體" pitchFamily="34" charset="-120"/>
-                <a:ea typeface="微軟正黑體" pitchFamily="34" charset="-120"/>
-              </a:rPr>
-              <a:t>人都尊祢名為聖</a:t>
-            </a:r>
-            <a:endParaRPr lang="en-US" sz="5400" b="1" dirty="0">
+              <a:t>不叫我們遇見試探 </a:t>
+            </a:r>
+            <a:endParaRPr lang="en-US" altLang="zh-TW" sz="5400" b="1" dirty="0" smtClean="0">
               <a:solidFill>
                 <a:srgbClr val="660033"/>
               </a:solidFill>
@@ -7850,16 +7964,16 @@
               <a:buNone/>
             </a:pPr>
             <a:r>
-              <a:rPr lang="zh-TW" altLang="en-US" sz="5400" b="1" dirty="0">
-                <a:solidFill>
-                  <a:srgbClr val="660033"/>
-                </a:solidFill>
-                <a:latin typeface="微軟正黑體" pitchFamily="34" charset="-120"/>
-                <a:ea typeface="微軟正黑體" pitchFamily="34" charset="-120"/>
-              </a:rPr>
-              <a:t>願祢的國降臨</a:t>
-            </a:r>
-            <a:endParaRPr lang="en-US" sz="5400" b="1" dirty="0">
+              <a:rPr lang="zh-TW" altLang="en-US" sz="5400" b="1" dirty="0" smtClean="0">
+                <a:solidFill>
+                  <a:srgbClr val="660033"/>
+                </a:solidFill>
+                <a:latin typeface="微軟正黑體" pitchFamily="34" charset="-120"/>
+                <a:ea typeface="微軟正黑體" pitchFamily="34" charset="-120"/>
+              </a:rPr>
+              <a:t>救我們脫離凶惡</a:t>
+            </a:r>
+            <a:endParaRPr lang="en-US" altLang="zh-TW" sz="5400" b="1" dirty="0" smtClean="0">
               <a:solidFill>
                 <a:srgbClr val="660033"/>
               </a:solidFill>
@@ -7872,16 +7986,16 @@
               <a:buNone/>
             </a:pPr>
             <a:r>
-              <a:rPr lang="zh-TW" altLang="en-US" sz="5400" b="1" dirty="0">
-                <a:solidFill>
-                  <a:srgbClr val="660033"/>
-                </a:solidFill>
-                <a:latin typeface="微軟正黑體" pitchFamily="34" charset="-120"/>
-                <a:ea typeface="微軟正黑體" pitchFamily="34" charset="-120"/>
-              </a:rPr>
-              <a:t>也願祢旨意行在地上</a:t>
-            </a:r>
-            <a:endParaRPr lang="en-US" sz="5400" b="1" dirty="0">
+              <a:rPr lang="zh-TW" altLang="en-US" sz="5400" b="1" dirty="0" smtClean="0">
+                <a:solidFill>
+                  <a:srgbClr val="660033"/>
+                </a:solidFill>
+                <a:latin typeface="微軟正黑體" pitchFamily="34" charset="-120"/>
+                <a:ea typeface="微軟正黑體" pitchFamily="34" charset="-120"/>
+              </a:rPr>
+              <a:t>因國度權柄榮耀 </a:t>
+            </a:r>
+            <a:endParaRPr lang="en-US" altLang="zh-TW" sz="5400" b="1" dirty="0" smtClean="0">
               <a:solidFill>
                 <a:srgbClr val="660033"/>
               </a:solidFill>
@@ -7894,24 +8008,14 @@
               <a:buNone/>
             </a:pPr>
             <a:r>
-              <a:rPr lang="zh-TW" altLang="en-US" sz="5400" b="1" dirty="0">
-                <a:solidFill>
-                  <a:srgbClr val="660033"/>
-                </a:solidFill>
-                <a:latin typeface="微軟正黑體" pitchFamily="34" charset="-120"/>
-                <a:ea typeface="微軟正黑體" pitchFamily="34" charset="-120"/>
-              </a:rPr>
-              <a:t>如同行在天</a:t>
-            </a:r>
-            <a:r>
-              <a:rPr lang="zh-TW" altLang="en-US" sz="5400" b="1" dirty="0" smtClean="0">
-                <a:solidFill>
-                  <a:srgbClr val="660033"/>
-                </a:solidFill>
-                <a:latin typeface="微軟正黑體" pitchFamily="34" charset="-120"/>
-                <a:ea typeface="微軟正黑體" pitchFamily="34" charset="-120"/>
-              </a:rPr>
-              <a:t>上</a:t>
+              <a:rPr lang="zh-TW" altLang="en-US" sz="5400" b="1" dirty="0" smtClean="0">
+                <a:solidFill>
+                  <a:srgbClr val="660033"/>
+                </a:solidFill>
+                <a:latin typeface="微軟正黑體" pitchFamily="34" charset="-120"/>
+                <a:ea typeface="微軟正黑體" pitchFamily="34" charset="-120"/>
+              </a:rPr>
+              <a:t>全屬祢直到永遠</a:t>
             </a:r>
             <a:endParaRPr lang="en-US" altLang="zh-TW" sz="5400" b="1" dirty="0" smtClean="0">
               <a:solidFill>
@@ -7925,7 +8029,7 @@
             <a:pPr algn="ctr">
               <a:buNone/>
             </a:pPr>
-            <a:endParaRPr lang="en-US" altLang="zh-TW" sz="2800" b="1" dirty="0" smtClean="0">
+            <a:endParaRPr lang="en-US" sz="2800" b="1" dirty="0" smtClean="0">
               <a:solidFill>
                 <a:srgbClr val="660033"/>
               </a:solidFill>
@@ -7938,20 +8042,54 @@
               <a:buNone/>
             </a:pPr>
             <a:r>
-              <a:rPr lang="en-US" altLang="zh-TW" sz="2000" b="1" dirty="0" smtClean="0">
-                <a:solidFill>
-                  <a:srgbClr val="660033"/>
-                </a:solidFill>
-                <a:latin typeface="微軟正黑體" pitchFamily="34" charset="-120"/>
-                <a:ea typeface="微軟正黑體" pitchFamily="34" charset="-120"/>
-              </a:rPr>
-              <a:t>[Chorus]</a:t>
-            </a:r>
-          </a:p>
-          <a:p>
-            <a:pPr algn="ctr">
-              <a:buNone/>
-            </a:pPr>
+              <a:rPr lang="en-US" sz="2800" b="1" dirty="0" smtClean="0">
+                <a:solidFill>
+                  <a:srgbClr val="660033"/>
+                </a:solidFill>
+                <a:latin typeface="微軟正黑體" pitchFamily="34" charset="-120"/>
+                <a:ea typeface="微軟正黑體" pitchFamily="34" charset="-120"/>
+              </a:rPr>
+              <a:t>[</a:t>
+            </a:r>
+            <a:r>
+              <a:rPr lang="en-US" altLang="zh-CN" sz="2800" b="1" dirty="0" smtClean="0">
+                <a:solidFill>
+                  <a:srgbClr val="660033"/>
+                </a:solidFill>
+                <a:latin typeface="微軟正黑體" pitchFamily="34" charset="-120"/>
+                <a:ea typeface="微軟正黑體" pitchFamily="34" charset="-120"/>
+              </a:rPr>
+              <a:t>Bridge</a:t>
+            </a:r>
+            <a:r>
+              <a:rPr lang="en-US" sz="2800" b="1" dirty="0" smtClean="0">
+                <a:solidFill>
+                  <a:srgbClr val="660033"/>
+                </a:solidFill>
+                <a:latin typeface="微軟正黑體" pitchFamily="34" charset="-120"/>
+                <a:ea typeface="微軟正黑體" pitchFamily="34" charset="-120"/>
+              </a:rPr>
+              <a:t>]</a:t>
+            </a:r>
+            <a:r>
+              <a:rPr lang="en-US" sz="5400" b="1" dirty="0" smtClean="0">
+                <a:solidFill>
+                  <a:srgbClr val="660033"/>
+                </a:solidFill>
+                <a:latin typeface="微軟正黑體" pitchFamily="34" charset="-120"/>
+                <a:ea typeface="微軟正黑體" pitchFamily="34" charset="-120"/>
+              </a:rPr>
+              <a:t/>
+            </a:r>
+            <a:br>
+              <a:rPr lang="en-US" sz="5400" b="1" dirty="0" smtClean="0">
+                <a:solidFill>
+                  <a:srgbClr val="660033"/>
+                </a:solidFill>
+                <a:latin typeface="微軟正黑體" pitchFamily="34" charset="-120"/>
+                <a:ea typeface="微軟正黑體" pitchFamily="34" charset="-120"/>
+              </a:rPr>
+            </a:br>
             <a:r>
               <a:rPr lang="en-US" sz="5400" b="1" dirty="0">
                 <a:solidFill>
@@ -7972,7 +8110,7 @@
               </a:rPr>
             </a:br>
             <a:r>
-              <a:rPr lang="en-US" sz="1600" dirty="0">
+              <a:rPr lang="en-US" sz="1600" b="1" dirty="0">
                 <a:solidFill>
                   <a:srgbClr val="660033"/>
                 </a:solidFill>
@@ -7982,7 +8120,7 @@
               <a:t/>
             </a:r>
             <a:br>
-              <a:rPr lang="en-US" sz="1600" dirty="0">
+              <a:rPr lang="en-US" sz="1600" b="1" dirty="0">
                 <a:solidFill>
                   <a:srgbClr val="660033"/>
                 </a:solidFill>
@@ -7990,7 +8128,7 @@
                 <a:ea typeface="微軟正黑體" pitchFamily="34" charset="-120"/>
               </a:rPr>
             </a:br>
-            <a:endParaRPr lang="en-US" sz="1600" dirty="0">
+            <a:endParaRPr lang="en-US" sz="1600" b="1" dirty="0">
               <a:solidFill>
                 <a:srgbClr val="660033"/>
               </a:solidFill>
@@ -8005,6 +8143,13 @@
   <p:clrMapOvr>
     <a:masterClrMapping/>
   </p:clrMapOvr>
+  <p:timing>
+    <p:tnLst>
+      <p:par>
+        <p:cTn id="1" dur="indefinite" restart="never" nodeType="tmRoot"/>
+      </p:par>
+    </p:tnLst>
+  </p:timing>
 </p:sld>
 </file>
 
@@ -8138,9 +8283,19 @@
                 <a:latin typeface="微軟正黑體" pitchFamily="34" charset="-120"/>
                 <a:ea typeface="微軟正黑體" pitchFamily="34" charset="-120"/>
               </a:rPr>
-              <a:t>我們當天所需要的食物</a:t>
-            </a:r>
-            <a:endParaRPr lang="en-US" sz="5400" b="1" dirty="0" smtClean="0">
+              <a:t>願</a:t>
+            </a:r>
+            <a:r>
+              <a:rPr lang="zh-TW" altLang="en-US" sz="5400" b="1" dirty="0">
+                <a:solidFill>
+                  <a:srgbClr val="660033"/>
+                </a:solidFill>
+                <a:latin typeface="微軟正黑體" pitchFamily="34" charset="-120"/>
+                <a:ea typeface="微軟正黑體" pitchFamily="34" charset="-120"/>
+              </a:rPr>
+              <a:t>人都尊祢名為聖</a:t>
+            </a:r>
+            <a:endParaRPr lang="en-US" sz="5400" b="1" dirty="0">
               <a:solidFill>
                 <a:srgbClr val="660033"/>
               </a:solidFill>
@@ -8153,16 +8308,16 @@
               <a:buNone/>
             </a:pPr>
             <a:r>
-              <a:rPr lang="zh-TW" altLang="en-US" sz="5400" b="1" dirty="0" smtClean="0">
-                <a:solidFill>
-                  <a:srgbClr val="660033"/>
-                </a:solidFill>
-                <a:latin typeface="微軟正黑體" pitchFamily="34" charset="-120"/>
-                <a:ea typeface="微軟正黑體" pitchFamily="34" charset="-120"/>
-              </a:rPr>
-              <a:t>求祢賜給我們</a:t>
-            </a:r>
-            <a:endParaRPr lang="en-US" sz="5400" b="1" dirty="0" smtClean="0">
+              <a:rPr lang="zh-TW" altLang="en-US" sz="5400" b="1" dirty="0">
+                <a:solidFill>
+                  <a:srgbClr val="660033"/>
+                </a:solidFill>
+                <a:latin typeface="微軟正黑體" pitchFamily="34" charset="-120"/>
+                <a:ea typeface="微軟正黑體" pitchFamily="34" charset="-120"/>
+              </a:rPr>
+              <a:t>願祢的國降臨</a:t>
+            </a:r>
+            <a:endParaRPr lang="en-US" sz="5400" b="1" dirty="0">
               <a:solidFill>
                 <a:srgbClr val="660033"/>
               </a:solidFill>
@@ -8175,16 +8330,16 @@
               <a:buNone/>
             </a:pPr>
             <a:r>
-              <a:rPr lang="zh-TW" altLang="en-US" sz="5400" b="1" dirty="0" smtClean="0">
-                <a:solidFill>
-                  <a:srgbClr val="660033"/>
-                </a:solidFill>
-                <a:latin typeface="微軟正黑體" pitchFamily="34" charset="-120"/>
-                <a:ea typeface="微軟正黑體" pitchFamily="34" charset="-120"/>
-              </a:rPr>
-              <a:t>免我們的債</a:t>
-            </a:r>
-            <a:endParaRPr lang="en-US" sz="5400" b="1" dirty="0" smtClean="0">
+              <a:rPr lang="zh-TW" altLang="en-US" sz="5400" b="1" dirty="0">
+                <a:solidFill>
+                  <a:srgbClr val="660033"/>
+                </a:solidFill>
+                <a:latin typeface="微軟正黑體" pitchFamily="34" charset="-120"/>
+                <a:ea typeface="微軟正黑體" pitchFamily="34" charset="-120"/>
+              </a:rPr>
+              <a:t>也願祢旨意行在地上</a:t>
+            </a:r>
+            <a:endParaRPr lang="en-US" sz="5400" b="1" dirty="0">
               <a:solidFill>
                 <a:srgbClr val="660033"/>
               </a:solidFill>
@@ -8197,14 +8352,24 @@
               <a:buNone/>
             </a:pPr>
             <a:r>
-              <a:rPr lang="zh-TW" altLang="en-US" sz="5400" b="1" dirty="0" smtClean="0">
-                <a:solidFill>
-                  <a:srgbClr val="660033"/>
-                </a:solidFill>
-                <a:latin typeface="微軟正黑體" pitchFamily="34" charset="-120"/>
-                <a:ea typeface="微軟正黑體" pitchFamily="34" charset="-120"/>
-              </a:rPr>
-              <a:t>如同我們免去人的債</a:t>
+              <a:rPr lang="zh-TW" altLang="en-US" sz="5400" b="1" dirty="0">
+                <a:solidFill>
+                  <a:srgbClr val="660033"/>
+                </a:solidFill>
+                <a:latin typeface="微軟正黑體" pitchFamily="34" charset="-120"/>
+                <a:ea typeface="微軟正黑體" pitchFamily="34" charset="-120"/>
+              </a:rPr>
+              <a:t>如同行在天</a:t>
+            </a:r>
+            <a:r>
+              <a:rPr lang="zh-TW" altLang="en-US" sz="5400" b="1" dirty="0" smtClean="0">
+                <a:solidFill>
+                  <a:srgbClr val="660033"/>
+                </a:solidFill>
+                <a:latin typeface="微軟正黑體" pitchFamily="34" charset="-120"/>
+                <a:ea typeface="微軟正黑體" pitchFamily="34" charset="-120"/>
+              </a:rPr>
+              <a:t>上</a:t>
             </a:r>
             <a:endParaRPr lang="en-US" altLang="zh-TW" sz="5400" b="1" dirty="0" smtClean="0">
               <a:solidFill>
@@ -8218,7 +8383,7 @@
             <a:pPr algn="ctr">
               <a:buNone/>
             </a:pPr>
-            <a:endParaRPr lang="en-US" sz="2800" b="1" dirty="0" smtClean="0">
+            <a:endParaRPr lang="en-US" altLang="zh-TW" sz="2800" b="1" dirty="0" smtClean="0">
               <a:solidFill>
                 <a:srgbClr val="660033"/>
               </a:solidFill>
@@ -8231,7 +8396,7 @@
               <a:buNone/>
             </a:pPr>
             <a:r>
-              <a:rPr lang="en-US" sz="2800" b="1" dirty="0" smtClean="0">
+              <a:rPr lang="en-US" altLang="zh-TW" sz="2000" b="1" dirty="0" smtClean="0">
                 <a:solidFill>
                   <a:srgbClr val="660033"/>
                 </a:solidFill>
@@ -8240,25 +8405,11 @@
               </a:rPr>
               <a:t>[Chorus]</a:t>
             </a:r>
-            <a:r>
-              <a:rPr lang="en-US" sz="5400" b="1" dirty="0" smtClean="0">
-                <a:solidFill>
-                  <a:srgbClr val="660033"/>
-                </a:solidFill>
-                <a:latin typeface="微軟正黑體" pitchFamily="34" charset="-120"/>
-                <a:ea typeface="微軟正黑體" pitchFamily="34" charset="-120"/>
-              </a:rPr>
-              <a:t/>
-            </a:r>
-            <a:br>
-              <a:rPr lang="en-US" sz="5400" b="1" dirty="0" smtClean="0">
-                <a:solidFill>
-                  <a:srgbClr val="660033"/>
-                </a:solidFill>
-                <a:latin typeface="微軟正黑體" pitchFamily="34" charset="-120"/>
-                <a:ea typeface="微軟正黑體" pitchFamily="34" charset="-120"/>
-              </a:rPr>
-            </a:br>
+          </a:p>
+          <a:p>
+            <a:pPr algn="ctr">
+              <a:buNone/>
+            </a:pPr>
             <a:r>
               <a:rPr lang="en-US" sz="5400" b="1" dirty="0">
                 <a:solidFill>
@@ -8312,6 +8463,13 @@
   <p:clrMapOvr>
     <a:masterClrMapping/>
   </p:clrMapOvr>
+  <p:timing>
+    <p:tnLst>
+      <p:par>
+        <p:cTn id="1" dur="indefinite" restart="never" nodeType="tmRoot"/>
+      </p:par>
+    </p:tnLst>
+  </p:timing>
 </p:sld>
 </file>
 
@@ -8445,7 +8603,73 @@
                 <a:latin typeface="微軟正黑體" pitchFamily="34" charset="-120"/>
                 <a:ea typeface="微軟正黑體" pitchFamily="34" charset="-120"/>
               </a:rPr>
-              <a:t>不叫我們遇見試探 </a:t>
+              <a:t>我們當天所需要的食物</a:t>
+            </a:r>
+            <a:endParaRPr lang="en-US" sz="5400" b="1" dirty="0" smtClean="0">
+              <a:solidFill>
+                <a:srgbClr val="660033"/>
+              </a:solidFill>
+              <a:latin typeface="微軟正黑體" pitchFamily="34" charset="-120"/>
+              <a:ea typeface="微軟正黑體" pitchFamily="34" charset="-120"/>
+            </a:endParaRPr>
+          </a:p>
+          <a:p>
+            <a:pPr algn="ctr">
+              <a:buNone/>
+            </a:pPr>
+            <a:r>
+              <a:rPr lang="zh-TW" altLang="en-US" sz="5400" b="1" dirty="0" smtClean="0">
+                <a:solidFill>
+                  <a:srgbClr val="660033"/>
+                </a:solidFill>
+                <a:latin typeface="微軟正黑體" pitchFamily="34" charset="-120"/>
+                <a:ea typeface="微軟正黑體" pitchFamily="34" charset="-120"/>
+              </a:rPr>
+              <a:t>求祢賜給我們</a:t>
+            </a:r>
+            <a:endParaRPr lang="en-US" sz="5400" b="1" dirty="0" smtClean="0">
+              <a:solidFill>
+                <a:srgbClr val="660033"/>
+              </a:solidFill>
+              <a:latin typeface="微軟正黑體" pitchFamily="34" charset="-120"/>
+              <a:ea typeface="微軟正黑體" pitchFamily="34" charset="-120"/>
+            </a:endParaRPr>
+          </a:p>
+          <a:p>
+            <a:pPr algn="ctr">
+              <a:buNone/>
+            </a:pPr>
+            <a:r>
+              <a:rPr lang="zh-TW" altLang="en-US" sz="5400" b="1" dirty="0" smtClean="0">
+                <a:solidFill>
+                  <a:srgbClr val="660033"/>
+                </a:solidFill>
+                <a:latin typeface="微軟正黑體" pitchFamily="34" charset="-120"/>
+                <a:ea typeface="微軟正黑體" pitchFamily="34" charset="-120"/>
+              </a:rPr>
+              <a:t>免我們的債</a:t>
+            </a:r>
+            <a:endParaRPr lang="en-US" sz="5400" b="1" dirty="0" smtClean="0">
+              <a:solidFill>
+                <a:srgbClr val="660033"/>
+              </a:solidFill>
+              <a:latin typeface="微軟正黑體" pitchFamily="34" charset="-120"/>
+              <a:ea typeface="微軟正黑體" pitchFamily="34" charset="-120"/>
+            </a:endParaRPr>
+          </a:p>
+          <a:p>
+            <a:pPr algn="ctr">
+              <a:buNone/>
+            </a:pPr>
+            <a:r>
+              <a:rPr lang="zh-TW" altLang="en-US" sz="5400" b="1" dirty="0" smtClean="0">
+                <a:solidFill>
+                  <a:srgbClr val="660033"/>
+                </a:solidFill>
+                <a:latin typeface="微軟正黑體" pitchFamily="34" charset="-120"/>
+                <a:ea typeface="微軟正黑體" pitchFamily="34" charset="-120"/>
+              </a:rPr>
+              <a:t>如同我們免去人的債</a:t>
             </a:r>
             <a:endParaRPr lang="en-US" altLang="zh-TW" sz="5400" b="1" dirty="0" smtClean="0">
               <a:solidFill>
@@ -8459,17 +8683,7 @@
             <a:pPr algn="ctr">
               <a:buNone/>
             </a:pPr>
-            <a:r>
-              <a:rPr lang="zh-TW" altLang="en-US" sz="5400" b="1" dirty="0" smtClean="0">
-                <a:solidFill>
-                  <a:srgbClr val="660033"/>
-                </a:solidFill>
-                <a:latin typeface="微軟正黑體" pitchFamily="34" charset="-120"/>
-                <a:ea typeface="微軟正黑體" pitchFamily="34" charset="-120"/>
-              </a:rPr>
-              <a:t>救我們脫離凶惡</a:t>
-            </a:r>
-            <a:endParaRPr lang="en-US" altLang="zh-TW" sz="5400" b="1" dirty="0" smtClean="0">
+            <a:endParaRPr lang="en-US" sz="2800" b="1" dirty="0" smtClean="0">
               <a:solidFill>
                 <a:srgbClr val="660033"/>
               </a:solidFill>
@@ -8482,62 +8696,6 @@
               <a:buNone/>
             </a:pPr>
             <a:r>
-              <a:rPr lang="zh-TW" altLang="en-US" sz="5400" b="1" dirty="0" smtClean="0">
-                <a:solidFill>
-                  <a:srgbClr val="660033"/>
-                </a:solidFill>
-                <a:latin typeface="微軟正黑體" pitchFamily="34" charset="-120"/>
-                <a:ea typeface="微軟正黑體" pitchFamily="34" charset="-120"/>
-              </a:rPr>
-              <a:t>因國度權柄榮耀 </a:t>
-            </a:r>
-            <a:endParaRPr lang="en-US" altLang="zh-TW" sz="5400" b="1" dirty="0" smtClean="0">
-              <a:solidFill>
-                <a:srgbClr val="660033"/>
-              </a:solidFill>
-              <a:latin typeface="微軟正黑體" pitchFamily="34" charset="-120"/>
-              <a:ea typeface="微軟正黑體" pitchFamily="34" charset="-120"/>
-            </a:endParaRPr>
-          </a:p>
-          <a:p>
-            <a:pPr algn="ctr">
-              <a:buNone/>
-            </a:pPr>
-            <a:r>
-              <a:rPr lang="zh-TW" altLang="en-US" sz="5400" b="1" dirty="0" smtClean="0">
-                <a:solidFill>
-                  <a:srgbClr val="660033"/>
-                </a:solidFill>
-                <a:latin typeface="微軟正黑體" pitchFamily="34" charset="-120"/>
-                <a:ea typeface="微軟正黑體" pitchFamily="34" charset="-120"/>
-              </a:rPr>
-              <a:t>全屬祢直到永遠</a:t>
-            </a:r>
-            <a:endParaRPr lang="en-US" altLang="zh-TW" sz="5400" b="1" dirty="0" smtClean="0">
-              <a:solidFill>
-                <a:srgbClr val="660033"/>
-              </a:solidFill>
-              <a:latin typeface="微軟正黑體" pitchFamily="34" charset="-120"/>
-              <a:ea typeface="微軟正黑體" pitchFamily="34" charset="-120"/>
-            </a:endParaRPr>
-          </a:p>
-          <a:p>
-            <a:pPr algn="ctr">
-              <a:buNone/>
-            </a:pPr>
-            <a:endParaRPr lang="en-US" sz="2800" b="1" dirty="0" smtClean="0">
-              <a:solidFill>
-                <a:srgbClr val="660033"/>
-              </a:solidFill>
-              <a:latin typeface="微軟正黑體" pitchFamily="34" charset="-120"/>
-              <a:ea typeface="微軟正黑體" pitchFamily="34" charset="-120"/>
-            </a:endParaRPr>
-          </a:p>
-          <a:p>
-            <a:pPr algn="ctr">
-              <a:buNone/>
-            </a:pPr>
-            <a:r>
               <a:rPr lang="en-US" sz="2800" b="1" dirty="0" smtClean="0">
                 <a:solidFill>
                   <a:srgbClr val="660033"/>
@@ -8545,27 +8703,7 @@
                 <a:latin typeface="微軟正黑體" pitchFamily="34" charset="-120"/>
                 <a:ea typeface="微軟正黑體" pitchFamily="34" charset="-120"/>
               </a:rPr>
-              <a:t>[</a:t>
-            </a:r>
-            <a:r>
-              <a:rPr lang="en-US" altLang="zh-CN" sz="2800" b="1" dirty="0" smtClean="0">
-                <a:solidFill>
-                  <a:srgbClr val="660033"/>
-                </a:solidFill>
-                <a:latin typeface="微軟正黑體" pitchFamily="34" charset="-120"/>
-                <a:ea typeface="微軟正黑體" pitchFamily="34" charset="-120"/>
-              </a:rPr>
-              <a:t>Bridge</a:t>
-            </a:r>
-            <a:r>
-              <a:rPr lang="en-US" sz="2800" b="1" dirty="0" smtClean="0">
-                <a:solidFill>
-                  <a:srgbClr val="660033"/>
-                </a:solidFill>
-                <a:latin typeface="微軟正黑體" pitchFamily="34" charset="-120"/>
-                <a:ea typeface="微軟正黑體" pitchFamily="34" charset="-120"/>
-              </a:rPr>
-              <a:t>]</a:t>
+              <a:t>[Chorus]</a:t>
             </a:r>
             <a:r>
               <a:rPr lang="en-US" sz="5400" b="1" dirty="0" smtClean="0">
@@ -8606,7 +8744,7 @@
               </a:rPr>
             </a:br>
             <a:r>
-              <a:rPr lang="en-US" sz="1600" b="1" dirty="0">
+              <a:rPr lang="en-US" sz="1600" dirty="0">
                 <a:solidFill>
                   <a:srgbClr val="660033"/>
                 </a:solidFill>
@@ -8616,7 +8754,7 @@
               <a:t/>
             </a:r>
             <a:br>
-              <a:rPr lang="en-US" sz="1600" b="1" dirty="0">
+              <a:rPr lang="en-US" sz="1600" dirty="0">
                 <a:solidFill>
                   <a:srgbClr val="660033"/>
                 </a:solidFill>
@@ -8624,7 +8762,7 @@
                 <a:ea typeface="微軟正黑體" pitchFamily="34" charset="-120"/>
               </a:rPr>
             </a:br>
-            <a:endParaRPr lang="en-US" sz="1600" b="1" dirty="0">
+            <a:endParaRPr lang="en-US" sz="1600" dirty="0">
               <a:solidFill>
                 <a:srgbClr val="660033"/>
               </a:solidFill>
@@ -8772,26 +8910,54 @@
               <a:buNone/>
             </a:pPr>
             <a:r>
-              <a:rPr lang="zh-TW" altLang="en-US" sz="5400" b="1" dirty="0" smtClean="0">
-                <a:solidFill>
-                  <a:srgbClr val="660033"/>
-                </a:solidFill>
-                <a:latin typeface="微軟正黑體" pitchFamily="34" charset="-120"/>
-                <a:ea typeface="微軟正黑體" pitchFamily="34" charset="-120"/>
-              </a:rPr>
-              <a:t>願</a:t>
-            </a:r>
-            <a:r>
-              <a:rPr lang="zh-TW" altLang="en-US" sz="5400" b="1" dirty="0">
-                <a:solidFill>
-                  <a:srgbClr val="660033"/>
-                </a:solidFill>
-                <a:latin typeface="微軟正黑體" pitchFamily="34" charset="-120"/>
-                <a:ea typeface="微軟正黑體" pitchFamily="34" charset="-120"/>
-              </a:rPr>
-              <a:t>人都尊祢名為聖</a:t>
-            </a:r>
-            <a:endParaRPr lang="en-US" sz="5400" b="1" dirty="0">
+              <a:rPr lang="en-US" sz="5400" b="1" dirty="0" smtClean="0">
+                <a:solidFill>
+                  <a:srgbClr val="660033"/>
+                </a:solidFill>
+                <a:latin typeface="微軟正黑體" pitchFamily="34" charset="-120"/>
+                <a:ea typeface="微軟正黑體" pitchFamily="34" charset="-120"/>
+              </a:rPr>
+              <a:t/>
+            </a:r>
+            <a:br>
+              <a:rPr lang="en-US" sz="5400" b="1" dirty="0" smtClean="0">
+                <a:solidFill>
+                  <a:srgbClr val="660033"/>
+                </a:solidFill>
+                <a:latin typeface="微軟正黑體" pitchFamily="34" charset="-120"/>
+                <a:ea typeface="微軟正黑體" pitchFamily="34" charset="-120"/>
+              </a:rPr>
+            </a:br>
+            <a:r>
+              <a:rPr lang="zh-TW" altLang="en-US" sz="5400" b="1" dirty="0" smtClean="0">
+                <a:solidFill>
+                  <a:srgbClr val="660033"/>
+                </a:solidFill>
+                <a:latin typeface="微軟正黑體" pitchFamily="34" charset="-120"/>
+                <a:ea typeface="微軟正黑體" pitchFamily="34" charset="-120"/>
+              </a:rPr>
+              <a:t>我們在天上的父</a:t>
+            </a:r>
+            <a:br>
+              <a:rPr lang="zh-TW" altLang="en-US" sz="5400" b="1" dirty="0" smtClean="0">
+                <a:solidFill>
+                  <a:srgbClr val="660033"/>
+                </a:solidFill>
+                <a:latin typeface="微軟正黑體" pitchFamily="34" charset="-120"/>
+                <a:ea typeface="微軟正黑體" pitchFamily="34" charset="-120"/>
+              </a:rPr>
+            </a:br>
+            <a:r>
+              <a:rPr lang="zh-TW" altLang="en-US" sz="5400" b="1" dirty="0" smtClean="0">
+                <a:solidFill>
+                  <a:srgbClr val="660033"/>
+                </a:solidFill>
+                <a:latin typeface="微軟正黑體" pitchFamily="34" charset="-120"/>
+                <a:ea typeface="微軟正黑體" pitchFamily="34" charset="-120"/>
+              </a:rPr>
+              <a:t>願人都尊祢名為聖</a:t>
+            </a:r>
+            <a:endParaRPr lang="en-US" sz="2800" b="1" dirty="0" smtClean="0">
               <a:solidFill>
                 <a:srgbClr val="660033"/>
               </a:solidFill>
@@ -8803,17 +8969,7 @@
             <a:pPr algn="ctr">
               <a:buNone/>
             </a:pPr>
-            <a:r>
-              <a:rPr lang="zh-TW" altLang="en-US" sz="5400" b="1" dirty="0">
-                <a:solidFill>
-                  <a:srgbClr val="660033"/>
-                </a:solidFill>
-                <a:latin typeface="微軟正黑體" pitchFamily="34" charset="-120"/>
-                <a:ea typeface="微軟正黑體" pitchFamily="34" charset="-120"/>
-              </a:rPr>
-              <a:t>願祢的國降臨</a:t>
-            </a:r>
-            <a:endParaRPr lang="en-US" sz="5400" b="1" dirty="0">
+            <a:endParaRPr lang="en-US" sz="2800" b="1" dirty="0" smtClean="0">
               <a:solidFill>
                 <a:srgbClr val="660033"/>
               </a:solidFill>
@@ -8826,86 +8982,34 @@
               <a:buNone/>
             </a:pPr>
             <a:r>
-              <a:rPr lang="zh-TW" altLang="en-US" sz="5400" b="1" dirty="0">
-                <a:solidFill>
-                  <a:srgbClr val="660033"/>
-                </a:solidFill>
-                <a:latin typeface="微軟正黑體" pitchFamily="34" charset="-120"/>
-                <a:ea typeface="微軟正黑體" pitchFamily="34" charset="-120"/>
-              </a:rPr>
-              <a:t>也願祢旨意行在地上</a:t>
-            </a:r>
-            <a:endParaRPr lang="en-US" sz="5400" b="1" dirty="0">
-              <a:solidFill>
-                <a:srgbClr val="660033"/>
-              </a:solidFill>
-              <a:latin typeface="微軟正黑體" pitchFamily="34" charset="-120"/>
-              <a:ea typeface="微軟正黑體" pitchFamily="34" charset="-120"/>
-            </a:endParaRPr>
-          </a:p>
-          <a:p>
-            <a:pPr algn="ctr">
-              <a:buNone/>
-            </a:pPr>
-            <a:r>
-              <a:rPr lang="zh-TW" altLang="en-US" sz="5400" b="1" dirty="0">
-                <a:solidFill>
-                  <a:srgbClr val="660033"/>
-                </a:solidFill>
-                <a:latin typeface="微軟正黑體" pitchFamily="34" charset="-120"/>
-                <a:ea typeface="微軟正黑體" pitchFamily="34" charset="-120"/>
-              </a:rPr>
-              <a:t>如同行在天</a:t>
-            </a:r>
-            <a:r>
-              <a:rPr lang="zh-TW" altLang="en-US" sz="5400" b="1" dirty="0" smtClean="0">
-                <a:solidFill>
-                  <a:srgbClr val="660033"/>
-                </a:solidFill>
-                <a:latin typeface="微軟正黑體" pitchFamily="34" charset="-120"/>
-                <a:ea typeface="微軟正黑體" pitchFamily="34" charset="-120"/>
-              </a:rPr>
-              <a:t>上</a:t>
-            </a:r>
-            <a:endParaRPr lang="en-US" altLang="zh-TW" sz="5400" b="1" dirty="0" smtClean="0">
-              <a:solidFill>
-                <a:srgbClr val="660033"/>
-              </a:solidFill>
-              <a:latin typeface="微軟正黑體" pitchFamily="34" charset="-120"/>
-              <a:ea typeface="微軟正黑體" pitchFamily="34" charset="-120"/>
-            </a:endParaRPr>
-          </a:p>
-          <a:p>
-            <a:pPr algn="ctr">
-              <a:buNone/>
-            </a:pPr>
-            <a:endParaRPr lang="en-US" altLang="zh-TW" sz="2800" b="1" dirty="0" smtClean="0">
-              <a:solidFill>
-                <a:srgbClr val="660033"/>
-              </a:solidFill>
-              <a:latin typeface="微軟正黑體" pitchFamily="34" charset="-120"/>
-              <a:ea typeface="微軟正黑體" pitchFamily="34" charset="-120"/>
-            </a:endParaRPr>
-          </a:p>
-          <a:p>
-            <a:pPr algn="ctr">
-              <a:buNone/>
-            </a:pPr>
-            <a:r>
-              <a:rPr lang="en-US" altLang="zh-TW" sz="2000" b="1" dirty="0" smtClean="0">
-                <a:solidFill>
-                  <a:srgbClr val="660033"/>
-                </a:solidFill>
-                <a:latin typeface="微軟正黑體" pitchFamily="34" charset="-120"/>
-                <a:ea typeface="微軟正黑體" pitchFamily="34" charset="-120"/>
-              </a:rPr>
-              <a:t>[Chorus]</a:t>
-            </a:r>
-          </a:p>
-          <a:p>
-            <a:pPr algn="ctr">
-              <a:buNone/>
-            </a:pPr>
+              <a:rPr lang="en-US" sz="2800" b="1" dirty="0" smtClean="0">
+                <a:solidFill>
+                  <a:srgbClr val="660033"/>
+                </a:solidFill>
+                <a:latin typeface="微軟正黑體" pitchFamily="34" charset="-120"/>
+                <a:ea typeface="微軟正黑體" pitchFamily="34" charset="-120"/>
+              </a:rPr>
+              <a:t>[Last]</a:t>
+            </a:r>
+            <a:r>
+              <a:rPr lang="en-US" sz="5400" b="1" dirty="0" smtClean="0">
+                <a:solidFill>
+                  <a:srgbClr val="660033"/>
+                </a:solidFill>
+                <a:latin typeface="微軟正黑體" pitchFamily="34" charset="-120"/>
+                <a:ea typeface="微軟正黑體" pitchFamily="34" charset="-120"/>
+              </a:rPr>
+              <a:t/>
+            </a:r>
+            <a:br>
+              <a:rPr lang="en-US" sz="5400" b="1" dirty="0" smtClean="0">
+                <a:solidFill>
+                  <a:srgbClr val="660033"/>
+                </a:solidFill>
+                <a:latin typeface="微軟正黑體" pitchFamily="34" charset="-120"/>
+                <a:ea typeface="微軟正黑體" pitchFamily="34" charset="-120"/>
+              </a:rPr>
+            </a:br>
             <a:r>
               <a:rPr lang="en-US" sz="5400" b="1" dirty="0">
                 <a:solidFill>
@@ -8926,7 +9030,7 @@
               </a:rPr>
             </a:br>
             <a:r>
-              <a:rPr lang="en-US" sz="1600" dirty="0">
+              <a:rPr lang="en-US" sz="1600" b="1" dirty="0">
                 <a:solidFill>
                   <a:srgbClr val="660033"/>
                 </a:solidFill>
@@ -8936,7 +9040,7 @@
               <a:t/>
             </a:r>
             <a:br>
-              <a:rPr lang="en-US" sz="1600" dirty="0">
+              <a:rPr lang="en-US" sz="1600" b="1" dirty="0">
                 <a:solidFill>
                   <a:srgbClr val="660033"/>
                 </a:solidFill>
@@ -8944,7 +9048,7 @@
                 <a:ea typeface="微軟正黑體" pitchFamily="34" charset="-120"/>
               </a:rPr>
             </a:br>
-            <a:endParaRPr lang="en-US" sz="1600" dirty="0">
+            <a:endParaRPr lang="en-US" sz="1600" b="1" dirty="0">
               <a:solidFill>
                 <a:srgbClr val="660033"/>
               </a:solidFill>
@@ -8959,592 +9063,13 @@
   <p:clrMapOvr>
     <a:masterClrMapping/>
   </p:clrMapOvr>
-</p:sld>
-</file>
-
-<file path=ppt/slides/slide28.xml><?xml version="1.0" encoding="utf-8"?>
-<p:sld xmlns:a="http://schemas.openxmlformats.org/drawingml/2006/main" xmlns:r="http://schemas.openxmlformats.org/officeDocument/2006/relationships" xmlns:p="http://schemas.openxmlformats.org/presentationml/2006/main">
-  <p:cSld>
-    <p:spTree>
-      <p:nvGrpSpPr>
-        <p:cNvPr id="1" name=""/>
-        <p:cNvGrpSpPr/>
-        <p:nvPr/>
-      </p:nvGrpSpPr>
-      <p:grpSpPr>
-        <a:xfrm>
-          <a:off x="0" y="0"/>
-          <a:ext cx="0" cy="0"/>
-          <a:chOff x="0" y="0"/>
-          <a:chExt cx="0" cy="0"/>
-        </a:xfrm>
-      </p:grpSpPr>
-      <p:sp>
-        <p:nvSpPr>
-          <p:cNvPr id="2" name="Title 1"/>
-          <p:cNvSpPr>
-            <a:spLocks noGrp="1"/>
-          </p:cNvSpPr>
-          <p:nvPr>
-            <p:ph type="title"/>
-          </p:nvPr>
-        </p:nvSpPr>
-        <p:spPr/>
-        <p:txBody>
-          <a:bodyPr>
-            <a:noAutofit/>
-          </a:bodyPr>
-          <a:lstStyle/>
-          <a:p>
-            <a:r>
-              <a:rPr lang="en-US" altLang="zh-TW" sz="5000" b="1" dirty="0" smtClean="0">
-                <a:solidFill>
-                  <a:srgbClr val="660033"/>
-                </a:solidFill>
-                <a:latin typeface="微軟正黑體" pitchFamily="34" charset="-120"/>
-                <a:ea typeface="微軟正黑體" pitchFamily="34" charset="-120"/>
-              </a:rPr>
-              <a:t/>
-            </a:r>
-            <a:br>
-              <a:rPr lang="en-US" altLang="zh-TW" sz="5000" b="1" dirty="0" smtClean="0">
-                <a:solidFill>
-                  <a:srgbClr val="660033"/>
-                </a:solidFill>
-                <a:latin typeface="微軟正黑體" pitchFamily="34" charset="-120"/>
-                <a:ea typeface="微軟正黑體" pitchFamily="34" charset="-120"/>
-              </a:rPr>
-            </a:br>
-            <a:r>
-              <a:rPr lang="zh-TW" altLang="en-US" sz="5000" b="1" dirty="0" smtClean="0">
-                <a:solidFill>
-                  <a:srgbClr val="660033"/>
-                </a:solidFill>
-                <a:latin typeface="微軟正黑體" pitchFamily="34" charset="-120"/>
-                <a:ea typeface="微軟正黑體" pitchFamily="34" charset="-120"/>
-              </a:rPr>
-              <a:t>主</a:t>
-            </a:r>
-            <a:r>
-              <a:rPr lang="zh-TW" altLang="en-US" sz="5000" b="1" dirty="0">
-                <a:solidFill>
-                  <a:srgbClr val="660033"/>
-                </a:solidFill>
-                <a:latin typeface="微軟正黑體" pitchFamily="34" charset="-120"/>
-                <a:ea typeface="微軟正黑體" pitchFamily="34" charset="-120"/>
-              </a:rPr>
-              <a:t>禱文</a:t>
-            </a:r>
-            <a:r>
-              <a:rPr lang="en-US" sz="5000" b="1" dirty="0">
-                <a:solidFill>
-                  <a:srgbClr val="660033"/>
-                </a:solidFill>
-                <a:latin typeface="微軟正黑體" pitchFamily="34" charset="-120"/>
-                <a:ea typeface="微軟正黑體" pitchFamily="34" charset="-120"/>
-              </a:rPr>
-              <a:t/>
-            </a:r>
-            <a:br>
-              <a:rPr lang="en-US" sz="5000" b="1" dirty="0">
-                <a:solidFill>
-                  <a:srgbClr val="660033"/>
-                </a:solidFill>
-                <a:latin typeface="微軟正黑體" pitchFamily="34" charset="-120"/>
-                <a:ea typeface="微軟正黑體" pitchFamily="34" charset="-120"/>
-              </a:rPr>
-            </a:br>
-            <a:endParaRPr lang="en-US" sz="5000" b="1" dirty="0">
-              <a:solidFill>
-                <a:srgbClr val="660033"/>
-              </a:solidFill>
-              <a:latin typeface="微軟正黑體" pitchFamily="34" charset="-120"/>
-              <a:ea typeface="微軟正黑體" pitchFamily="34" charset="-120"/>
-            </a:endParaRPr>
-          </a:p>
-        </p:txBody>
-      </p:sp>
-      <p:sp>
-        <p:nvSpPr>
-          <p:cNvPr id="3" name="Content Placeholder 2"/>
-          <p:cNvSpPr>
-            <a:spLocks noGrp="1"/>
-          </p:cNvSpPr>
-          <p:nvPr>
-            <p:ph idx="1"/>
-          </p:nvPr>
-        </p:nvSpPr>
-        <p:spPr/>
-        <p:txBody>
-          <a:bodyPr>
-            <a:noAutofit/>
-          </a:bodyPr>
-          <a:lstStyle/>
-          <a:p>
-            <a:pPr algn="ctr">
-              <a:buNone/>
-            </a:pPr>
-            <a:r>
-              <a:rPr lang="zh-TW" altLang="en-US" sz="5400" b="1" dirty="0" smtClean="0">
-                <a:solidFill>
-                  <a:srgbClr val="660033"/>
-                </a:solidFill>
-                <a:latin typeface="微軟正黑體" pitchFamily="34" charset="-120"/>
-                <a:ea typeface="微軟正黑體" pitchFamily="34" charset="-120"/>
-              </a:rPr>
-              <a:t>我們當天所需要的食物</a:t>
-            </a:r>
-            <a:endParaRPr lang="en-US" sz="5400" b="1" dirty="0" smtClean="0">
-              <a:solidFill>
-                <a:srgbClr val="660033"/>
-              </a:solidFill>
-              <a:latin typeface="微軟正黑體" pitchFamily="34" charset="-120"/>
-              <a:ea typeface="微軟正黑體" pitchFamily="34" charset="-120"/>
-            </a:endParaRPr>
-          </a:p>
-          <a:p>
-            <a:pPr algn="ctr">
-              <a:buNone/>
-            </a:pPr>
-            <a:r>
-              <a:rPr lang="zh-TW" altLang="en-US" sz="5400" b="1" dirty="0" smtClean="0">
-                <a:solidFill>
-                  <a:srgbClr val="660033"/>
-                </a:solidFill>
-                <a:latin typeface="微軟正黑體" pitchFamily="34" charset="-120"/>
-                <a:ea typeface="微軟正黑體" pitchFamily="34" charset="-120"/>
-              </a:rPr>
-              <a:t>求祢賜給我們</a:t>
-            </a:r>
-            <a:endParaRPr lang="en-US" sz="5400" b="1" dirty="0" smtClean="0">
-              <a:solidFill>
-                <a:srgbClr val="660033"/>
-              </a:solidFill>
-              <a:latin typeface="微軟正黑體" pitchFamily="34" charset="-120"/>
-              <a:ea typeface="微軟正黑體" pitchFamily="34" charset="-120"/>
-            </a:endParaRPr>
-          </a:p>
-          <a:p>
-            <a:pPr algn="ctr">
-              <a:buNone/>
-            </a:pPr>
-            <a:r>
-              <a:rPr lang="zh-TW" altLang="en-US" sz="5400" b="1" dirty="0" smtClean="0">
-                <a:solidFill>
-                  <a:srgbClr val="660033"/>
-                </a:solidFill>
-                <a:latin typeface="微軟正黑體" pitchFamily="34" charset="-120"/>
-                <a:ea typeface="微軟正黑體" pitchFamily="34" charset="-120"/>
-              </a:rPr>
-              <a:t>免我們的債</a:t>
-            </a:r>
-            <a:endParaRPr lang="en-US" sz="5400" b="1" dirty="0" smtClean="0">
-              <a:solidFill>
-                <a:srgbClr val="660033"/>
-              </a:solidFill>
-              <a:latin typeface="微軟正黑體" pitchFamily="34" charset="-120"/>
-              <a:ea typeface="微軟正黑體" pitchFamily="34" charset="-120"/>
-            </a:endParaRPr>
-          </a:p>
-          <a:p>
-            <a:pPr algn="ctr">
-              <a:buNone/>
-            </a:pPr>
-            <a:r>
-              <a:rPr lang="zh-TW" altLang="en-US" sz="5400" b="1" dirty="0" smtClean="0">
-                <a:solidFill>
-                  <a:srgbClr val="660033"/>
-                </a:solidFill>
-                <a:latin typeface="微軟正黑體" pitchFamily="34" charset="-120"/>
-                <a:ea typeface="微軟正黑體" pitchFamily="34" charset="-120"/>
-              </a:rPr>
-              <a:t>如同我們免去人的債</a:t>
-            </a:r>
-            <a:endParaRPr lang="en-US" altLang="zh-TW" sz="5400" b="1" dirty="0" smtClean="0">
-              <a:solidFill>
-                <a:srgbClr val="660033"/>
-              </a:solidFill>
-              <a:latin typeface="微軟正黑體" pitchFamily="34" charset="-120"/>
-              <a:ea typeface="微軟正黑體" pitchFamily="34" charset="-120"/>
-            </a:endParaRPr>
-          </a:p>
-          <a:p>
-            <a:pPr algn="ctr">
-              <a:buNone/>
-            </a:pPr>
-            <a:endParaRPr lang="en-US" sz="2800" b="1" dirty="0" smtClean="0">
-              <a:solidFill>
-                <a:srgbClr val="660033"/>
-              </a:solidFill>
-              <a:latin typeface="微軟正黑體" pitchFamily="34" charset="-120"/>
-              <a:ea typeface="微軟正黑體" pitchFamily="34" charset="-120"/>
-            </a:endParaRPr>
-          </a:p>
-          <a:p>
-            <a:pPr algn="ctr">
-              <a:buNone/>
-            </a:pPr>
-            <a:r>
-              <a:rPr lang="en-US" sz="2800" b="1" dirty="0" smtClean="0">
-                <a:solidFill>
-                  <a:srgbClr val="660033"/>
-                </a:solidFill>
-                <a:latin typeface="微軟正黑體" pitchFamily="34" charset="-120"/>
-                <a:ea typeface="微軟正黑體" pitchFamily="34" charset="-120"/>
-              </a:rPr>
-              <a:t>[Chorus]</a:t>
-            </a:r>
-            <a:r>
-              <a:rPr lang="en-US" sz="5400" b="1" dirty="0" smtClean="0">
-                <a:solidFill>
-                  <a:srgbClr val="660033"/>
-                </a:solidFill>
-                <a:latin typeface="微軟正黑體" pitchFamily="34" charset="-120"/>
-                <a:ea typeface="微軟正黑體" pitchFamily="34" charset="-120"/>
-              </a:rPr>
-              <a:t/>
-            </a:r>
-            <a:br>
-              <a:rPr lang="en-US" sz="5400" b="1" dirty="0" smtClean="0">
-                <a:solidFill>
-                  <a:srgbClr val="660033"/>
-                </a:solidFill>
-                <a:latin typeface="微軟正黑體" pitchFamily="34" charset="-120"/>
-                <a:ea typeface="微軟正黑體" pitchFamily="34" charset="-120"/>
-              </a:rPr>
-            </a:br>
-            <a:r>
-              <a:rPr lang="en-US" sz="5400" b="1" dirty="0">
-                <a:solidFill>
-                  <a:srgbClr val="660033"/>
-                </a:solidFill>
-                <a:latin typeface="微軟正黑體" pitchFamily="34" charset="-120"/>
-                <a:ea typeface="微軟正黑體" pitchFamily="34" charset="-120"/>
-              </a:rPr>
-              <a:t/>
-            </a:r>
-            <a:br>
-              <a:rPr lang="en-US" sz="5400" b="1" dirty="0">
-                <a:solidFill>
-                  <a:srgbClr val="660033"/>
-                </a:solidFill>
-                <a:latin typeface="微軟正黑體" pitchFamily="34" charset="-120"/>
-                <a:ea typeface="微軟正黑體" pitchFamily="34" charset="-120"/>
-              </a:rPr>
-            </a:br>
-            <a:r>
-              <a:rPr lang="en-US" sz="1600" dirty="0">
-                <a:solidFill>
-                  <a:srgbClr val="660033"/>
-                </a:solidFill>
-                <a:latin typeface="微軟正黑體" pitchFamily="34" charset="-120"/>
-                <a:ea typeface="微軟正黑體" pitchFamily="34" charset="-120"/>
-              </a:rPr>
-              <a:t/>
-            </a:r>
-            <a:br>
-              <a:rPr lang="en-US" sz="1600" dirty="0">
-                <a:solidFill>
-                  <a:srgbClr val="660033"/>
-                </a:solidFill>
-                <a:latin typeface="微軟正黑體" pitchFamily="34" charset="-120"/>
-                <a:ea typeface="微軟正黑體" pitchFamily="34" charset="-120"/>
-              </a:rPr>
-            </a:br>
-            <a:endParaRPr lang="en-US" sz="1600" dirty="0">
-              <a:solidFill>
-                <a:srgbClr val="660033"/>
-              </a:solidFill>
-              <a:latin typeface="微軟正黑體" pitchFamily="34" charset="-120"/>
-              <a:ea typeface="微軟正黑體" pitchFamily="34" charset="-120"/>
-            </a:endParaRPr>
-          </a:p>
-        </p:txBody>
-      </p:sp>
-    </p:spTree>
-  </p:cSld>
-  <p:clrMapOvr>
-    <a:masterClrMapping/>
-  </p:clrMapOvr>
-</p:sld>
-</file>
-
-<file path=ppt/slides/slide29.xml><?xml version="1.0" encoding="utf-8"?>
-<p:sld xmlns:a="http://schemas.openxmlformats.org/drawingml/2006/main" xmlns:r="http://schemas.openxmlformats.org/officeDocument/2006/relationships" xmlns:p="http://schemas.openxmlformats.org/presentationml/2006/main">
-  <p:cSld>
-    <p:spTree>
-      <p:nvGrpSpPr>
-        <p:cNvPr id="1" name=""/>
-        <p:cNvGrpSpPr/>
-        <p:nvPr/>
-      </p:nvGrpSpPr>
-      <p:grpSpPr>
-        <a:xfrm>
-          <a:off x="0" y="0"/>
-          <a:ext cx="0" cy="0"/>
-          <a:chOff x="0" y="0"/>
-          <a:chExt cx="0" cy="0"/>
-        </a:xfrm>
-      </p:grpSpPr>
-      <p:sp>
-        <p:nvSpPr>
-          <p:cNvPr id="2" name="Title 1"/>
-          <p:cNvSpPr>
-            <a:spLocks noGrp="1"/>
-          </p:cNvSpPr>
-          <p:nvPr>
-            <p:ph type="title"/>
-          </p:nvPr>
-        </p:nvSpPr>
-        <p:spPr/>
-        <p:txBody>
-          <a:bodyPr>
-            <a:noAutofit/>
-          </a:bodyPr>
-          <a:lstStyle/>
-          <a:p>
-            <a:r>
-              <a:rPr lang="en-US" altLang="zh-TW" sz="5000" b="1" dirty="0" smtClean="0">
-                <a:solidFill>
-                  <a:srgbClr val="660033"/>
-                </a:solidFill>
-                <a:latin typeface="微軟正黑體" pitchFamily="34" charset="-120"/>
-                <a:ea typeface="微軟正黑體" pitchFamily="34" charset="-120"/>
-              </a:rPr>
-              <a:t/>
-            </a:r>
-            <a:br>
-              <a:rPr lang="en-US" altLang="zh-TW" sz="5000" b="1" dirty="0" smtClean="0">
-                <a:solidFill>
-                  <a:srgbClr val="660033"/>
-                </a:solidFill>
-                <a:latin typeface="微軟正黑體" pitchFamily="34" charset="-120"/>
-                <a:ea typeface="微軟正黑體" pitchFamily="34" charset="-120"/>
-              </a:rPr>
-            </a:br>
-            <a:r>
-              <a:rPr lang="zh-TW" altLang="en-US" sz="5000" b="1" dirty="0" smtClean="0">
-                <a:solidFill>
-                  <a:srgbClr val="660033"/>
-                </a:solidFill>
-                <a:latin typeface="微軟正黑體" pitchFamily="34" charset="-120"/>
-                <a:ea typeface="微軟正黑體" pitchFamily="34" charset="-120"/>
-              </a:rPr>
-              <a:t>主</a:t>
-            </a:r>
-            <a:r>
-              <a:rPr lang="zh-TW" altLang="en-US" sz="5000" b="1" dirty="0">
-                <a:solidFill>
-                  <a:srgbClr val="660033"/>
-                </a:solidFill>
-                <a:latin typeface="微軟正黑體" pitchFamily="34" charset="-120"/>
-                <a:ea typeface="微軟正黑體" pitchFamily="34" charset="-120"/>
-              </a:rPr>
-              <a:t>禱文</a:t>
-            </a:r>
-            <a:r>
-              <a:rPr lang="en-US" sz="5000" b="1" dirty="0">
-                <a:solidFill>
-                  <a:srgbClr val="660033"/>
-                </a:solidFill>
-                <a:latin typeface="微軟正黑體" pitchFamily="34" charset="-120"/>
-                <a:ea typeface="微軟正黑體" pitchFamily="34" charset="-120"/>
-              </a:rPr>
-              <a:t/>
-            </a:r>
-            <a:br>
-              <a:rPr lang="en-US" sz="5000" b="1" dirty="0">
-                <a:solidFill>
-                  <a:srgbClr val="660033"/>
-                </a:solidFill>
-                <a:latin typeface="微軟正黑體" pitchFamily="34" charset="-120"/>
-                <a:ea typeface="微軟正黑體" pitchFamily="34" charset="-120"/>
-              </a:rPr>
-            </a:br>
-            <a:endParaRPr lang="en-US" sz="5000" b="1" dirty="0">
-              <a:solidFill>
-                <a:srgbClr val="660033"/>
-              </a:solidFill>
-              <a:latin typeface="微軟正黑體" pitchFamily="34" charset="-120"/>
-              <a:ea typeface="微軟正黑體" pitchFamily="34" charset="-120"/>
-            </a:endParaRPr>
-          </a:p>
-        </p:txBody>
-      </p:sp>
-      <p:sp>
-        <p:nvSpPr>
-          <p:cNvPr id="3" name="Content Placeholder 2"/>
-          <p:cNvSpPr>
-            <a:spLocks noGrp="1"/>
-          </p:cNvSpPr>
-          <p:nvPr>
-            <p:ph idx="1"/>
-          </p:nvPr>
-        </p:nvSpPr>
-        <p:spPr/>
-        <p:txBody>
-          <a:bodyPr>
-            <a:noAutofit/>
-          </a:bodyPr>
-          <a:lstStyle/>
-          <a:p>
-            <a:pPr algn="ctr">
-              <a:buNone/>
-            </a:pPr>
-            <a:r>
-              <a:rPr lang="en-US" sz="5400" b="1" dirty="0" smtClean="0">
-                <a:solidFill>
-                  <a:srgbClr val="660033"/>
-                </a:solidFill>
-                <a:latin typeface="微軟正黑體" pitchFamily="34" charset="-120"/>
-                <a:ea typeface="微軟正黑體" pitchFamily="34" charset="-120"/>
-              </a:rPr>
-              <a:t/>
-            </a:r>
-            <a:br>
-              <a:rPr lang="en-US" sz="5400" b="1" dirty="0" smtClean="0">
-                <a:solidFill>
-                  <a:srgbClr val="660033"/>
-                </a:solidFill>
-                <a:latin typeface="微軟正黑體" pitchFamily="34" charset="-120"/>
-                <a:ea typeface="微軟正黑體" pitchFamily="34" charset="-120"/>
-              </a:rPr>
-            </a:br>
-            <a:r>
-              <a:rPr lang="zh-TW" altLang="en-US" sz="5400" b="1" dirty="0" smtClean="0">
-                <a:solidFill>
-                  <a:srgbClr val="660033"/>
-                </a:solidFill>
-                <a:latin typeface="微軟正黑體" pitchFamily="34" charset="-120"/>
-                <a:ea typeface="微軟正黑體" pitchFamily="34" charset="-120"/>
-              </a:rPr>
-              <a:t>我們在天上的父</a:t>
-            </a:r>
-            <a:br>
-              <a:rPr lang="zh-TW" altLang="en-US" sz="5400" b="1" dirty="0" smtClean="0">
-                <a:solidFill>
-                  <a:srgbClr val="660033"/>
-                </a:solidFill>
-                <a:latin typeface="微軟正黑體" pitchFamily="34" charset="-120"/>
-                <a:ea typeface="微軟正黑體" pitchFamily="34" charset="-120"/>
-              </a:rPr>
-            </a:br>
-            <a:r>
-              <a:rPr lang="zh-TW" altLang="en-US" sz="5400" b="1" dirty="0" smtClean="0">
-                <a:solidFill>
-                  <a:srgbClr val="660033"/>
-                </a:solidFill>
-                <a:latin typeface="微軟正黑體" pitchFamily="34" charset="-120"/>
-                <a:ea typeface="微軟正黑體" pitchFamily="34" charset="-120"/>
-              </a:rPr>
-              <a:t>願人都尊祢名為聖</a:t>
-            </a:r>
-            <a:endParaRPr lang="en-US" sz="2800" b="1" dirty="0" smtClean="0">
-              <a:solidFill>
-                <a:srgbClr val="660033"/>
-              </a:solidFill>
-              <a:latin typeface="微軟正黑體" pitchFamily="34" charset="-120"/>
-              <a:ea typeface="微軟正黑體" pitchFamily="34" charset="-120"/>
-            </a:endParaRPr>
-          </a:p>
-          <a:p>
-            <a:pPr algn="ctr">
-              <a:buNone/>
-            </a:pPr>
-            <a:endParaRPr lang="en-US" sz="2800" b="1" dirty="0" smtClean="0">
-              <a:solidFill>
-                <a:srgbClr val="660033"/>
-              </a:solidFill>
-              <a:latin typeface="微軟正黑體" pitchFamily="34" charset="-120"/>
-              <a:ea typeface="微軟正黑體" pitchFamily="34" charset="-120"/>
-            </a:endParaRPr>
-          </a:p>
-          <a:p>
-            <a:pPr algn="ctr">
-              <a:buNone/>
-            </a:pPr>
-            <a:r>
-              <a:rPr lang="en-US" sz="2800" b="1" dirty="0" smtClean="0">
-                <a:solidFill>
-                  <a:srgbClr val="660033"/>
-                </a:solidFill>
-                <a:latin typeface="微軟正黑體" pitchFamily="34" charset="-120"/>
-                <a:ea typeface="微軟正黑體" pitchFamily="34" charset="-120"/>
-              </a:rPr>
-              <a:t>[Last]</a:t>
-            </a:r>
-            <a:r>
-              <a:rPr lang="en-US" sz="5400" b="1" dirty="0" smtClean="0">
-                <a:solidFill>
-                  <a:srgbClr val="660033"/>
-                </a:solidFill>
-                <a:latin typeface="微軟正黑體" pitchFamily="34" charset="-120"/>
-                <a:ea typeface="微軟正黑體" pitchFamily="34" charset="-120"/>
-              </a:rPr>
-              <a:t/>
-            </a:r>
-            <a:br>
-              <a:rPr lang="en-US" sz="5400" b="1" dirty="0" smtClean="0">
-                <a:solidFill>
-                  <a:srgbClr val="660033"/>
-                </a:solidFill>
-                <a:latin typeface="微軟正黑體" pitchFamily="34" charset="-120"/>
-                <a:ea typeface="微軟正黑體" pitchFamily="34" charset="-120"/>
-              </a:rPr>
-            </a:br>
-            <a:r>
-              <a:rPr lang="en-US" sz="5400" b="1" dirty="0">
-                <a:solidFill>
-                  <a:srgbClr val="660033"/>
-                </a:solidFill>
-                <a:latin typeface="微軟正黑體" pitchFamily="34" charset="-120"/>
-                <a:ea typeface="微軟正黑體" pitchFamily="34" charset="-120"/>
-              </a:rPr>
-              <a:t/>
-            </a:r>
-            <a:br>
-              <a:rPr lang="en-US" sz="5400" b="1" dirty="0">
-                <a:solidFill>
-                  <a:srgbClr val="660033"/>
-                </a:solidFill>
-                <a:latin typeface="微軟正黑體" pitchFamily="34" charset="-120"/>
-                <a:ea typeface="微軟正黑體" pitchFamily="34" charset="-120"/>
-              </a:rPr>
-            </a:br>
-            <a:r>
-              <a:rPr lang="en-US" sz="1600" b="1" dirty="0">
-                <a:solidFill>
-                  <a:srgbClr val="660033"/>
-                </a:solidFill>
-                <a:latin typeface="微軟正黑體" pitchFamily="34" charset="-120"/>
-                <a:ea typeface="微軟正黑體" pitchFamily="34" charset="-120"/>
-              </a:rPr>
-              <a:t/>
-            </a:r>
-            <a:br>
-              <a:rPr lang="en-US" sz="1600" b="1" dirty="0">
-                <a:solidFill>
-                  <a:srgbClr val="660033"/>
-                </a:solidFill>
-                <a:latin typeface="微軟正黑體" pitchFamily="34" charset="-120"/>
-                <a:ea typeface="微軟正黑體" pitchFamily="34" charset="-120"/>
-              </a:rPr>
-            </a:br>
-            <a:endParaRPr lang="en-US" sz="1600" b="1" dirty="0">
-              <a:solidFill>
-                <a:srgbClr val="660033"/>
-              </a:solidFill>
-              <a:latin typeface="微軟正黑體" pitchFamily="34" charset="-120"/>
-              <a:ea typeface="微軟正黑體" pitchFamily="34" charset="-120"/>
-            </a:endParaRPr>
-          </a:p>
-        </p:txBody>
-      </p:sp>
-    </p:spTree>
-  </p:cSld>
-  <p:clrMapOvr>
-    <a:masterClrMapping/>
-  </p:clrMapOvr>
+  <p:timing>
+    <p:tnLst>
+      <p:par>
+        <p:cTn id="1" dur="indefinite" restart="never" nodeType="tmRoot"/>
+      </p:par>
+    </p:tnLst>
+  </p:timing>
 </p:sld>
 </file>
 
@@ -9774,6 +9299,13 @@
   <p:clrMapOvr>
     <a:masterClrMapping/>
   </p:clrMapOvr>
+  <p:timing>
+    <p:tnLst>
+      <p:par>
+        <p:cTn id="1" dur="indefinite" restart="never" nodeType="tmRoot"/>
+      </p:par>
+    </p:tnLst>
+  </p:timing>
 </p:sld>
 </file>
 
@@ -10003,6 +9535,13 @@
   <p:clrMapOvr>
     <a:masterClrMapping/>
   </p:clrMapOvr>
+  <p:timing>
+    <p:tnLst>
+      <p:par>
+        <p:cTn id="1" dur="indefinite" restart="never" nodeType="tmRoot"/>
+      </p:par>
+    </p:tnLst>
+  </p:timing>
 </p:sld>
 </file>
 
@@ -10232,6 +9771,13 @@
   <p:clrMapOvr>
     <a:masterClrMapping/>
   </p:clrMapOvr>
+  <p:timing>
+    <p:tnLst>
+      <p:par>
+        <p:cTn id="1" dur="indefinite" restart="never" nodeType="tmRoot"/>
+      </p:par>
+    </p:tnLst>
+  </p:timing>
 </p:sld>
 </file>
 
@@ -10424,17 +9970,7 @@
                 <a:latin typeface="微軟正黑體" pitchFamily="34" charset="-120"/>
                 <a:ea typeface="微軟正黑體" pitchFamily="34" charset="-120"/>
               </a:rPr>
-              <a:t>獻</a:t>
-            </a:r>
-            <a:r>
-              <a:rPr lang="zh-TW" altLang="en-US" sz="5400" b="1" dirty="0" smtClean="0">
-                <a:solidFill>
-                  <a:srgbClr val="002060"/>
-                </a:solidFill>
-                <a:latin typeface="微軟正黑體" pitchFamily="34" charset="-120"/>
-                <a:ea typeface="微軟正黑體" pitchFamily="34" charset="-120"/>
-              </a:rPr>
-              <a:t>上</a:t>
+              <a:t>獻上</a:t>
             </a:r>
             <a:r>
               <a:rPr lang="zh-TW" altLang="en-US" sz="5400" b="1" dirty="0">
@@ -10491,6 +10027,13 @@
   <p:clrMapOvr>
     <a:masterClrMapping/>
   </p:clrMapOvr>
+  <p:timing>
+    <p:tnLst>
+      <p:par>
+        <p:cTn id="1" dur="indefinite" restart="never" nodeType="tmRoot"/>
+      </p:par>
+    </p:tnLst>
+  </p:timing>
 </p:sld>
 </file>
 
@@ -10720,6 +10263,13 @@
   <p:clrMapOvr>
     <a:masterClrMapping/>
   </p:clrMapOvr>
+  <p:timing>
+    <p:tnLst>
+      <p:par>
+        <p:cTn id="1" dur="indefinite" restart="never" nodeType="tmRoot"/>
+      </p:par>
+    </p:tnLst>
+  </p:timing>
 </p:sld>
 </file>
 
@@ -10949,6 +10499,13 @@
   <p:clrMapOvr>
     <a:masterClrMapping/>
   </p:clrMapOvr>
+  <p:timing>
+    <p:tnLst>
+      <p:par>
+        <p:cTn id="1" dur="indefinite" restart="never" nodeType="tmRoot"/>
+      </p:par>
+    </p:tnLst>
+  </p:timing>
 </p:sld>
 </file>
 
@@ -11178,6 +10735,13 @@
   <p:clrMapOvr>
     <a:masterClrMapping/>
   </p:clrMapOvr>
+  <p:timing>
+    <p:tnLst>
+      <p:par>
+        <p:cTn id="1" dur="indefinite" restart="never" nodeType="tmRoot"/>
+      </p:par>
+    </p:tnLst>
+  </p:timing>
 </p:sld>
 </file>
 
